--- a/Slides/Lecture06 - Asynchronous and Parallel Programming in CSharp.pptx
+++ b/Slides/Lecture06 - Asynchronous and Parallel Programming in CSharp.pptx
@@ -5,30 +5,32 @@
     <p:sldMasterId id="2147484082" r:id="rId4"/>
   </p:sldMasterIdLst>
   <p:notesMasterIdLst>
-    <p:notesMasterId r:id="rId23"/>
+    <p:notesMasterId r:id="rId25"/>
   </p:notesMasterIdLst>
   <p:handoutMasterIdLst>
-    <p:handoutMasterId r:id="rId24"/>
+    <p:handoutMasterId r:id="rId26"/>
   </p:handoutMasterIdLst>
   <p:sldIdLst>
     <p:sldId id="880" r:id="rId5"/>
     <p:sldId id="897" r:id="rId6"/>
-    <p:sldId id="881" r:id="rId7"/>
-    <p:sldId id="882" r:id="rId8"/>
-    <p:sldId id="883" r:id="rId9"/>
-    <p:sldId id="885" r:id="rId10"/>
-    <p:sldId id="884" r:id="rId11"/>
-    <p:sldId id="886" r:id="rId12"/>
-    <p:sldId id="887" r:id="rId13"/>
-    <p:sldId id="888" r:id="rId14"/>
-    <p:sldId id="889" r:id="rId15"/>
-    <p:sldId id="890" r:id="rId16"/>
-    <p:sldId id="891" r:id="rId17"/>
-    <p:sldId id="892" r:id="rId18"/>
-    <p:sldId id="893" r:id="rId19"/>
-    <p:sldId id="894" r:id="rId20"/>
-    <p:sldId id="895" r:id="rId21"/>
-    <p:sldId id="896" r:id="rId22"/>
+    <p:sldId id="898" r:id="rId7"/>
+    <p:sldId id="881" r:id="rId8"/>
+    <p:sldId id="882" r:id="rId9"/>
+    <p:sldId id="883" r:id="rId10"/>
+    <p:sldId id="885" r:id="rId11"/>
+    <p:sldId id="884" r:id="rId12"/>
+    <p:sldId id="886" r:id="rId13"/>
+    <p:sldId id="887" r:id="rId14"/>
+    <p:sldId id="888" r:id="rId15"/>
+    <p:sldId id="889" r:id="rId16"/>
+    <p:sldId id="890" r:id="rId17"/>
+    <p:sldId id="891" r:id="rId18"/>
+    <p:sldId id="892" r:id="rId19"/>
+    <p:sldId id="893" r:id="rId20"/>
+    <p:sldId id="894" r:id="rId21"/>
+    <p:sldId id="895" r:id="rId22"/>
+    <p:sldId id="896" r:id="rId23"/>
+    <p:sldId id="899" r:id="rId24"/>
   </p:sldIdLst>
   <p:sldSz cx="9326563" cy="6994525"/>
   <p:notesSz cx="6858000" cy="9144000"/>
@@ -134,6 +136,7 @@
           <p14:sldIdLst>
             <p14:sldId id="880"/>
             <p14:sldId id="897"/>
+            <p14:sldId id="898"/>
             <p14:sldId id="881"/>
             <p14:sldId id="882"/>
             <p14:sldId id="883"/>
@@ -150,6 +153,7 @@
             <p14:sldId id="894"/>
             <p14:sldId id="895"/>
             <p14:sldId id="896"/>
+            <p14:sldId id="899"/>
           </p14:sldIdLst>
         </p14:section>
       </p14:sectionLst>
@@ -4825,141 +4829,65 @@
             <a:spLocks noGrp="1"/>
           </p:cNvSpPr>
           <p:nvPr>
-            <p:ph type="title"/>
+            <p:ph type="title" idx="4294967295"/>
           </p:nvPr>
         </p:nvSpPr>
-        <p:spPr/>
+        <p:spPr>
+          <a:xfrm>
+            <a:off x="273844" y="295275"/>
+            <a:ext cx="8778875" cy="917575"/>
+          </a:xfrm>
+        </p:spPr>
         <p:txBody>
           <a:bodyPr/>
           <a:lstStyle/>
           <a:p>
             <a:r>
               <a:rPr lang="en-US" dirty="0"/>
-              <a:t>Race Condition Demo</a:t>
-            </a:r>
-            <a:endParaRPr lang="da-DK" dirty="0"/>
+              <a:t>Race Condition</a:t>
+            </a:r>
           </a:p>
         </p:txBody>
       </p:sp>
-    </p:spTree>
-    <p:extLst>
-      <p:ext uri="{BB962C8B-B14F-4D97-AF65-F5344CB8AC3E}">
-        <p14:creationId xmlns:p14="http://schemas.microsoft.com/office/powerpoint/2010/main" val="4060576183"/>
-      </p:ext>
-    </p:extLst>
-  </p:cSld>
-  <p:clrMapOvr>
-    <a:masterClrMapping/>
-  </p:clrMapOvr>
-  <p:transition>
-    <p:fade/>
-  </p:transition>
-</p:sld>
-</file>
-
-<file path=ppt/slides/slide11.xml><?xml version="1.0" encoding="utf-8"?>
-<p:sld xmlns:a="http://schemas.openxmlformats.org/drawingml/2006/main" xmlns:r="http://schemas.openxmlformats.org/officeDocument/2006/relationships" xmlns:p="http://schemas.openxmlformats.org/presentationml/2006/main">
-  <p:cSld>
-    <p:spTree>
-      <p:nvGrpSpPr>
-        <p:cNvPr id="1" name=""/>
-        <p:cNvGrpSpPr/>
-        <p:nvPr/>
-      </p:nvGrpSpPr>
-      <p:grpSpPr>
-        <a:xfrm>
-          <a:off x="0" y="0"/>
-          <a:ext cx="0" cy="0"/>
-          <a:chOff x="0" y="0"/>
-          <a:chExt cx="0" cy="0"/>
-        </a:xfrm>
-      </p:grpSpPr>
-      <p:pic>
-        <p:nvPicPr>
-          <p:cNvPr id="3" name="Picture 2"/>
-          <p:cNvPicPr>
-            <a:picLocks noChangeAspect="1"/>
-          </p:cNvPicPr>
+      <p:sp>
+        <p:nvSpPr>
+          <p:cNvPr id="3" name="AutoShape 2" descr="https://encrypted-tbn1.gstatic.com/images?q=tbn:ANd9GcRyLPmH4CXTD4PFXitpoImqWfZ04zdtZTxKFx7wrSHzvxs4JwLp"/>
+          <p:cNvSpPr>
+            <a:spLocks noChangeAspect="1" noChangeArrowheads="1"/>
+          </p:cNvSpPr>
           <p:nvPr/>
-        </p:nvPicPr>
-        <p:blipFill>
-          <a:blip r:embed="rId2">
-            <a:extLst>
-              <a:ext uri="{28A0092B-C50C-407E-A947-70E740481C1C}">
-                <a14:useLocalDpi xmlns:a14="http://schemas.microsoft.com/office/drawing/2010/main" val="0"/>
-              </a:ext>
-            </a:extLst>
-          </a:blip>
-          <a:stretch>
-            <a:fillRect/>
-          </a:stretch>
-        </p:blipFill>
-        <p:spPr>
+        </p:nvSpPr>
+        <p:spPr bwMode="auto">
           <a:xfrm>
-            <a:off x="-640180" y="-20341"/>
-            <a:ext cx="10606924" cy="7035206"/>
+            <a:off x="158936" y="-147339"/>
+            <a:ext cx="310868" cy="310869"/>
           </a:xfrm>
           <a:prstGeom prst="rect">
             <a:avLst/>
           </a:prstGeom>
+          <a:noFill/>
+          <a:extLst>
+            <a:ext uri="{909E8E84-426E-40DD-AFC4-6F175D3DCCD1}">
+              <a14:hiddenFill xmlns:a14="http://schemas.microsoft.com/office/drawing/2010/main">
+                <a:solidFill>
+                  <a:srgbClr val="FFFFFF"/>
+                </a:solidFill>
+              </a14:hiddenFill>
+            </a:ext>
+          </a:extLst>
         </p:spPr>
-      </p:pic>
-      <p:sp>
-        <p:nvSpPr>
-          <p:cNvPr id="2" name="Title 1"/>
-          <p:cNvSpPr>
-            <a:spLocks noGrp="1"/>
-          </p:cNvSpPr>
-          <p:nvPr>
-            <p:ph type="title"/>
-          </p:nvPr>
-        </p:nvSpPr>
-        <p:spPr/>
         <p:txBody>
-          <a:bodyPr/>
+          <a:bodyPr vert="horz" wrap="square" lIns="93260" tIns="46630" rIns="93260" bIns="46630" numCol="1" anchor="t" anchorCtr="0" compatLnSpc="1">
+            <a:prstTxWarp prst="textNoShape">
+              <a:avLst/>
+            </a:prstTxWarp>
+          </a:bodyPr>
           <a:lstStyle/>
           <a:p>
-            <a:r>
-              <a:rPr lang="en-US" dirty="0">
-                <a:solidFill>
-                  <a:schemeClr val="bg1"/>
-                </a:solidFill>
-              </a:rPr>
-              <a:t>Deadlock</a:t>
-            </a:r>
+            <a:endParaRPr lang="en-US" sz="1836" dirty="0"/>
           </a:p>
         </p:txBody>
       </p:sp>
-    </p:spTree>
-    <p:extLst>
-      <p:ext uri="{BB962C8B-B14F-4D97-AF65-F5344CB8AC3E}">
-        <p14:creationId xmlns:p14="http://schemas.microsoft.com/office/powerpoint/2010/main" val="1356302257"/>
-      </p:ext>
-    </p:extLst>
-  </p:cSld>
-  <p:clrMapOvr>
-    <a:masterClrMapping/>
-  </p:clrMapOvr>
-</p:sld>
-</file>
-
-<file path=ppt/slides/slide12.xml><?xml version="1.0" encoding="utf-8"?>
-<p:sld xmlns:a="http://schemas.openxmlformats.org/drawingml/2006/main" xmlns:r="http://schemas.openxmlformats.org/officeDocument/2006/relationships" xmlns:p="http://schemas.openxmlformats.org/presentationml/2006/main">
-  <p:cSld>
-    <p:spTree>
-      <p:nvGrpSpPr>
-        <p:cNvPr id="1" name=""/>
-        <p:cNvGrpSpPr/>
-        <p:nvPr/>
-      </p:nvGrpSpPr>
-      <p:grpSpPr>
-        <a:xfrm>
-          <a:off x="0" y="0"/>
-          <a:ext cx="0" cy="0"/>
-          <a:chOff x="0" y="0"/>
-          <a:chExt cx="0" cy="0"/>
-        </a:xfrm>
-      </p:grpSpPr>
       <p:sp>
         <p:nvSpPr>
           <p:cNvPr id="6" name="Pladsholder til indhold 2"/>
@@ -5209,43 +5137,69 @@
             </a:pPr>
             <a:r>
               <a:rPr lang="en-US" dirty="0"/>
-              <a:t>A situation in which two or more competing actions are each waiting for the other to finish, and thus neither ever does.</a:t>
+              <a:t>Behavior of a program where the output is </a:t>
+            </a:r>
+            <a:r>
+              <a:rPr lang="en-US" b="1" dirty="0"/>
+              <a:t>dependent</a:t>
+            </a:r>
+            <a:r>
+              <a:rPr lang="en-US" dirty="0"/>
+              <a:t> on the </a:t>
+            </a:r>
+            <a:r>
+              <a:rPr lang="en-US" b="1" dirty="0"/>
+              <a:t>sequence</a:t>
+            </a:r>
+            <a:r>
+              <a:rPr lang="en-US" dirty="0"/>
+              <a:t> or </a:t>
+            </a:r>
+            <a:r>
+              <a:rPr lang="en-US" b="1" dirty="0"/>
+              <a:t>timing</a:t>
+            </a:r>
+            <a:r>
+              <a:rPr lang="en-US" dirty="0"/>
+              <a:t> of other </a:t>
+            </a:r>
+            <a:r>
+              <a:rPr lang="en-US" b="1" dirty="0"/>
+              <a:t>uncontrollable</a:t>
+            </a:r>
+            <a:r>
+              <a:rPr lang="en-US" dirty="0"/>
+              <a:t> events. </a:t>
+            </a:r>
+          </a:p>
+          <a:p>
+            <a:pPr marL="0" indent="0">
+              <a:buNone/>
+            </a:pPr>
+            <a:endParaRPr lang="en-US" dirty="0"/>
+          </a:p>
+          <a:p>
+            <a:pPr marL="0" indent="0">
+              <a:buNone/>
+            </a:pPr>
+            <a:r>
+              <a:rPr lang="en-US" dirty="0">
+                <a:sym typeface="Wingdings" panose="05000000000000000000" pitchFamily="2" charset="2"/>
+              </a:rPr>
+              <a:t> Bug, when events do not happen in the order the</a:t>
+            </a:r>
+            <a:r>
+              <a:rPr lang="en-US" dirty="0"/>
+              <a:t> programmer intended.</a:t>
             </a:r>
             <a:endParaRPr lang="da-DK" dirty="0"/>
-          </a:p>
-        </p:txBody>
-      </p:sp>
-      <p:sp>
-        <p:nvSpPr>
-          <p:cNvPr id="2" name="Title 1"/>
-          <p:cNvSpPr>
-            <a:spLocks noGrp="1"/>
-          </p:cNvSpPr>
-          <p:nvPr>
-            <p:ph type="title" idx="4294967295"/>
-          </p:nvPr>
-        </p:nvSpPr>
-        <p:spPr>
-          <a:xfrm>
-            <a:off x="273844" y="295275"/>
-            <a:ext cx="8778875" cy="917575"/>
-          </a:xfrm>
-        </p:spPr>
-        <p:txBody>
-          <a:bodyPr/>
-          <a:lstStyle/>
-          <a:p>
-            <a:r>
-              <a:rPr lang="en-US" dirty="0"/>
-              <a:t>Deadlock</a:t>
-            </a:r>
           </a:p>
         </p:txBody>
       </p:sp>
     </p:spTree>
     <p:extLst>
       <p:ext uri="{BB962C8B-B14F-4D97-AF65-F5344CB8AC3E}">
-        <p14:creationId xmlns:p14="http://schemas.microsoft.com/office/powerpoint/2010/main" val="2727671515"/>
+        <p14:creationId xmlns:p14="http://schemas.microsoft.com/office/powerpoint/2010/main" val="4289627610"/>
       </p:ext>
     </p:extLst>
   </p:cSld>
@@ -5258,7 +5212,7 @@
 </p:sld>
 </file>
 
-<file path=ppt/slides/slide13.xml><?xml version="1.0" encoding="utf-8"?>
+<file path=ppt/slides/slide11.xml><?xml version="1.0" encoding="utf-8"?>
 <p:sld xmlns:a="http://schemas.openxmlformats.org/drawingml/2006/main" xmlns:r="http://schemas.openxmlformats.org/officeDocument/2006/relationships" xmlns:p="http://schemas.openxmlformats.org/presentationml/2006/main">
   <p:cSld>
     <p:spTree>
@@ -5292,7 +5246,7 @@
           <a:p>
             <a:r>
               <a:rPr lang="en-US" dirty="0"/>
-              <a:t>Deadlock demo</a:t>
+              <a:t>Race Condition Demo</a:t>
             </a:r>
             <a:endParaRPr lang="da-DK" dirty="0"/>
           </a:p>
@@ -5301,7 +5255,7 @@
     </p:spTree>
     <p:extLst>
       <p:ext uri="{BB962C8B-B14F-4D97-AF65-F5344CB8AC3E}">
-        <p14:creationId xmlns:p14="http://schemas.microsoft.com/office/powerpoint/2010/main" val="2980367496"/>
+        <p14:creationId xmlns:p14="http://schemas.microsoft.com/office/powerpoint/2010/main" val="4060576183"/>
       </p:ext>
     </p:extLst>
   </p:cSld>
@@ -5314,7 +5268,93 @@
 </p:sld>
 </file>
 
-<file path=ppt/slides/slide14.xml><?xml version="1.0" encoding="utf-8"?>
+<file path=ppt/slides/slide12.xml><?xml version="1.0" encoding="utf-8"?>
+<p:sld xmlns:a="http://schemas.openxmlformats.org/drawingml/2006/main" xmlns:r="http://schemas.openxmlformats.org/officeDocument/2006/relationships" xmlns:p="http://schemas.openxmlformats.org/presentationml/2006/main">
+  <p:cSld>
+    <p:spTree>
+      <p:nvGrpSpPr>
+        <p:cNvPr id="1" name=""/>
+        <p:cNvGrpSpPr/>
+        <p:nvPr/>
+      </p:nvGrpSpPr>
+      <p:grpSpPr>
+        <a:xfrm>
+          <a:off x="0" y="0"/>
+          <a:ext cx="0" cy="0"/>
+          <a:chOff x="0" y="0"/>
+          <a:chExt cx="0" cy="0"/>
+        </a:xfrm>
+      </p:grpSpPr>
+      <p:pic>
+        <p:nvPicPr>
+          <p:cNvPr id="3" name="Picture 2"/>
+          <p:cNvPicPr>
+            <a:picLocks noChangeAspect="1"/>
+          </p:cNvPicPr>
+          <p:nvPr/>
+        </p:nvPicPr>
+        <p:blipFill>
+          <a:blip r:embed="rId2">
+            <a:extLst>
+              <a:ext uri="{28A0092B-C50C-407E-A947-70E740481C1C}">
+                <a14:useLocalDpi xmlns:a14="http://schemas.microsoft.com/office/drawing/2010/main" val="0"/>
+              </a:ext>
+            </a:extLst>
+          </a:blip>
+          <a:stretch>
+            <a:fillRect/>
+          </a:stretch>
+        </p:blipFill>
+        <p:spPr>
+          <a:xfrm>
+            <a:off x="-640180" y="-20341"/>
+            <a:ext cx="10606924" cy="7035206"/>
+          </a:xfrm>
+          <a:prstGeom prst="rect">
+            <a:avLst/>
+          </a:prstGeom>
+        </p:spPr>
+      </p:pic>
+      <p:sp>
+        <p:nvSpPr>
+          <p:cNvPr id="2" name="Title 1"/>
+          <p:cNvSpPr>
+            <a:spLocks noGrp="1"/>
+          </p:cNvSpPr>
+          <p:nvPr>
+            <p:ph type="title"/>
+          </p:nvPr>
+        </p:nvSpPr>
+        <p:spPr/>
+        <p:txBody>
+          <a:bodyPr/>
+          <a:lstStyle/>
+          <a:p>
+            <a:r>
+              <a:rPr lang="en-US" dirty="0">
+                <a:solidFill>
+                  <a:schemeClr val="bg1"/>
+                </a:solidFill>
+              </a:rPr>
+              <a:t>Deadlock</a:t>
+            </a:r>
+          </a:p>
+        </p:txBody>
+      </p:sp>
+    </p:spTree>
+    <p:extLst>
+      <p:ext uri="{BB962C8B-B14F-4D97-AF65-F5344CB8AC3E}">
+        <p14:creationId xmlns:p14="http://schemas.microsoft.com/office/powerpoint/2010/main" val="1356302257"/>
+      </p:ext>
+    </p:extLst>
+  </p:cSld>
+  <p:clrMapOvr>
+    <a:masterClrMapping/>
+  </p:clrMapOvr>
+</p:sld>
+</file>
+
+<file path=ppt/slides/slide13.xml><?xml version="1.0" encoding="utf-8"?>
 <p:sld xmlns:a="http://schemas.openxmlformats.org/drawingml/2006/main" xmlns:r="http://schemas.openxmlformats.org/officeDocument/2006/relationships" xmlns:p="http://schemas.openxmlformats.org/presentationml/2006/main">
   <p:cSld>
     <p:spTree>
@@ -5333,34 +5373,7 @@
       </p:grpSpPr>
       <p:sp>
         <p:nvSpPr>
-          <p:cNvPr id="2" name="Title 1"/>
-          <p:cNvSpPr>
-            <a:spLocks noGrp="1"/>
-          </p:cNvSpPr>
-          <p:nvPr>
-            <p:ph type="title" idx="4294967295"/>
-          </p:nvPr>
-        </p:nvSpPr>
-        <p:spPr>
-          <a:xfrm>
-            <a:off x="273844" y="295275"/>
-            <a:ext cx="8778875" cy="917575"/>
-          </a:xfrm>
-        </p:spPr>
-        <p:txBody>
-          <a:bodyPr/>
-          <a:lstStyle/>
-          <a:p>
-            <a:r>
-              <a:rPr lang="en-US" dirty="0"/>
-              <a:t>Task Parallel Library</a:t>
-            </a:r>
-          </a:p>
-        </p:txBody>
-      </p:sp>
-      <p:sp>
-        <p:nvSpPr>
-          <p:cNvPr id="4" name="Pladsholder til indhold 2"/>
+          <p:cNvPr id="6" name="Pladsholder til indhold 2"/>
           <p:cNvSpPr txBox="1">
             <a:spLocks/>
           </p:cNvSpPr>
@@ -5369,7 +5382,7 @@
         <p:spPr>
           <a:xfrm>
             <a:off x="273844" y="1212850"/>
-            <a:ext cx="8778875" cy="4661826"/>
+            <a:ext cx="8778875" cy="4021753"/>
           </a:xfrm>
           <a:prstGeom prst="rect">
             <a:avLst/>
@@ -5377,7 +5390,7 @@
         </p:spPr>
         <p:txBody>
           <a:bodyPr vert="horz" wrap="square" lIns="146304" tIns="91440" rIns="146304" bIns="91440" rtlCol="0">
-            <a:normAutofit lnSpcReduction="10000"/>
+            <a:normAutofit/>
           </a:bodyPr>
           <a:lstStyle>
             <a:lvl1pPr marL="342900" marR="0" indent="-342900" algn="l" defTabSz="932742" rtl="0" eaLnBrk="1" fontAlgn="auto" latinLnBrk="0" hangingPunct="1">
@@ -5606,103 +5619,36 @@
               <a:buNone/>
             </a:pPr>
             <a:r>
-              <a:rPr lang="en-US" dirty="0" err="1"/>
-              <a:t>Task.Run</a:t>
-            </a:r>
-            <a:endParaRPr lang="en-US" dirty="0"/>
-          </a:p>
-          <a:p>
-            <a:pPr marL="0" indent="0">
-              <a:buNone/>
-            </a:pPr>
-            <a:r>
-              <a:rPr lang="en-US" dirty="0" err="1"/>
-              <a:t>Task.Factory</a:t>
-            </a:r>
-            <a:r>
-              <a:rPr lang="en-US" dirty="0"/>
-              <a:t>…</a:t>
-            </a:r>
-          </a:p>
-          <a:p>
-            <a:pPr marL="0" indent="0">
-              <a:buNone/>
-            </a:pPr>
-            <a:r>
-              <a:rPr lang="en-US" dirty="0" err="1"/>
-              <a:t>Task.Delay</a:t>
-            </a:r>
-            <a:endParaRPr lang="en-US" dirty="0"/>
-          </a:p>
-          <a:p>
-            <a:pPr marL="0" indent="0">
-              <a:buNone/>
-            </a:pPr>
-            <a:r>
-              <a:rPr lang="en-US" dirty="0" err="1"/>
-              <a:t>Parallel.For</a:t>
-            </a:r>
-            <a:endParaRPr lang="en-US" dirty="0"/>
-          </a:p>
-          <a:p>
-            <a:pPr marL="0" indent="0">
-              <a:buNone/>
-            </a:pPr>
-            <a:r>
-              <a:rPr lang="en-US" dirty="0" err="1"/>
-              <a:t>Parallel.ForEach</a:t>
-            </a:r>
-            <a:endParaRPr lang="en-US" dirty="0"/>
-          </a:p>
-          <a:p>
-            <a:pPr marL="0" indent="0">
-              <a:buNone/>
-            </a:pPr>
-            <a:r>
-              <a:rPr lang="en-US" dirty="0" err="1"/>
-              <a:t>Parallel.Invoke</a:t>
-            </a:r>
-            <a:endParaRPr lang="en-US" dirty="0"/>
-          </a:p>
-          <a:p>
-            <a:pPr marL="0" indent="0">
-              <a:buNone/>
-            </a:pPr>
-            <a:endParaRPr lang="en-US" dirty="0"/>
-          </a:p>
-          <a:p>
-            <a:pPr marL="0" indent="0">
-              <a:buNone/>
-            </a:pPr>
-            <a:r>
-              <a:rPr lang="en-US" dirty="0"/>
-              <a:t>Parallel </a:t>
-            </a:r>
-            <a:r>
-              <a:rPr lang="en-US" dirty="0" err="1"/>
-              <a:t>Linq</a:t>
-            </a:r>
-            <a:r>
-              <a:rPr lang="en-US" dirty="0"/>
-              <a:t> </a:t>
-            </a:r>
-            <a:r>
-              <a:rPr lang="en-US" dirty="0">
-                <a:sym typeface="Wingdings" panose="05000000000000000000" pitchFamily="2" charset="2"/>
-              </a:rPr>
-              <a:t></a:t>
-            </a:r>
-            <a:r>
-              <a:rPr lang="en-US" dirty="0"/>
-              <a:t> .</a:t>
-            </a:r>
-            <a:r>
-              <a:rPr lang="en-US" dirty="0" err="1"/>
-              <a:t>AsParallel</a:t>
-            </a:r>
-            <a:r>
-              <a:rPr lang="en-US" dirty="0"/>
-              <a:t>()</a:t>
+              <a:rPr lang="en-US" dirty="0"/>
+              <a:t>A situation in which two or more competing actions are each waiting for the other to finish, and thus neither ever does.</a:t>
+            </a:r>
+            <a:endParaRPr lang="da-DK" dirty="0"/>
+          </a:p>
+        </p:txBody>
+      </p:sp>
+      <p:sp>
+        <p:nvSpPr>
+          <p:cNvPr id="2" name="Title 1"/>
+          <p:cNvSpPr>
+            <a:spLocks noGrp="1"/>
+          </p:cNvSpPr>
+          <p:nvPr>
+            <p:ph type="title" idx="4294967295"/>
+          </p:nvPr>
+        </p:nvSpPr>
+        <p:spPr>
+          <a:xfrm>
+            <a:off x="273844" y="295275"/>
+            <a:ext cx="8778875" cy="917575"/>
+          </a:xfrm>
+        </p:spPr>
+        <p:txBody>
+          <a:bodyPr/>
+          <a:lstStyle/>
+          <a:p>
+            <a:r>
+              <a:rPr lang="en-US" dirty="0"/>
+              <a:t>Deadlock</a:t>
             </a:r>
           </a:p>
         </p:txBody>
@@ -5710,7 +5656,63 @@
     </p:spTree>
     <p:extLst>
       <p:ext uri="{BB962C8B-B14F-4D97-AF65-F5344CB8AC3E}">
-        <p14:creationId xmlns:p14="http://schemas.microsoft.com/office/powerpoint/2010/main" val="2350092224"/>
+        <p14:creationId xmlns:p14="http://schemas.microsoft.com/office/powerpoint/2010/main" val="2727671515"/>
+      </p:ext>
+    </p:extLst>
+  </p:cSld>
+  <p:clrMapOvr>
+    <a:masterClrMapping/>
+  </p:clrMapOvr>
+  <p:transition>
+    <p:fade/>
+  </p:transition>
+</p:sld>
+</file>
+
+<file path=ppt/slides/slide14.xml><?xml version="1.0" encoding="utf-8"?>
+<p:sld xmlns:a="http://schemas.openxmlformats.org/drawingml/2006/main" xmlns:r="http://schemas.openxmlformats.org/officeDocument/2006/relationships" xmlns:p="http://schemas.openxmlformats.org/presentationml/2006/main">
+  <p:cSld>
+    <p:spTree>
+      <p:nvGrpSpPr>
+        <p:cNvPr id="1" name=""/>
+        <p:cNvGrpSpPr/>
+        <p:nvPr/>
+      </p:nvGrpSpPr>
+      <p:grpSpPr>
+        <a:xfrm>
+          <a:off x="0" y="0"/>
+          <a:ext cx="0" cy="0"/>
+          <a:chOff x="0" y="0"/>
+          <a:chExt cx="0" cy="0"/>
+        </a:xfrm>
+      </p:grpSpPr>
+      <p:sp>
+        <p:nvSpPr>
+          <p:cNvPr id="2" name="Title 1"/>
+          <p:cNvSpPr>
+            <a:spLocks noGrp="1"/>
+          </p:cNvSpPr>
+          <p:nvPr>
+            <p:ph type="title"/>
+          </p:nvPr>
+        </p:nvSpPr>
+        <p:spPr/>
+        <p:txBody>
+          <a:bodyPr/>
+          <a:lstStyle/>
+          <a:p>
+            <a:r>
+              <a:rPr lang="en-US" dirty="0"/>
+              <a:t>Deadlock demo</a:t>
+            </a:r>
+            <a:endParaRPr lang="da-DK" dirty="0"/>
+          </a:p>
+        </p:txBody>
+      </p:sp>
+    </p:spTree>
+    <p:extLst>
+      <p:ext uri="{BB962C8B-B14F-4D97-AF65-F5344CB8AC3E}">
+        <p14:creationId xmlns:p14="http://schemas.microsoft.com/office/powerpoint/2010/main" val="2980367496"/>
       </p:ext>
     </p:extLst>
   </p:cSld>
@@ -5743,162 +5745,33 @@
       <p:sp>
         <p:nvSpPr>
           <p:cNvPr id="2" name="Title 1"/>
-          <p:cNvSpPr txBox="1">
-            <a:spLocks/>
+          <p:cNvSpPr>
+            <a:spLocks noGrp="1"/>
           </p:cNvSpPr>
-          <p:nvPr/>
-        </p:nvSpPr>
-        <p:spPr>
-          <a:xfrm>
-            <a:off x="274209" y="2125663"/>
-            <a:ext cx="8778240" cy="1831975"/>
-          </a:xfrm>
-          <a:prstGeom prst="rect">
-            <a:avLst/>
-          </a:prstGeom>
-        </p:spPr>
-        <p:txBody>
-          <a:bodyPr/>
-          <a:lstStyle>
-            <a:lvl1pPr algn="l" defTabSz="932742" rtl="0" eaLnBrk="1" latinLnBrk="0" hangingPunct="1">
-              <a:lnSpc>
-                <a:spcPct val="90000"/>
-              </a:lnSpc>
-              <a:spcBef>
-                <a:spcPct val="0"/>
-              </a:spcBef>
-              <a:buNone/>
-              <a:defRPr lang="en-US" sz="4800" b="0" kern="1200" cap="none" spc="-102" baseline="0" dirty="0" smtClean="0">
-                <a:ln w="3175">
-                  <a:noFill/>
-                </a:ln>
-                <a:gradFill>
-                  <a:gsLst>
-                    <a:gs pos="1250">
-                      <a:schemeClr val="tx1"/>
-                    </a:gs>
-                    <a:gs pos="100000">
-                      <a:schemeClr val="tx1"/>
-                    </a:gs>
-                  </a:gsLst>
-                  <a:lin ang="5400000" scaled="0"/>
-                </a:gradFill>
-                <a:effectLst/>
-                <a:latin typeface="+mj-lt"/>
-                <a:ea typeface="+mn-ea"/>
-                <a:cs typeface="Segoe UI" pitchFamily="34" charset="0"/>
-              </a:defRPr>
-            </a:lvl1pPr>
-          </a:lstStyle>
-          <a:p>
-            <a:r>
-              <a:rPr lang="da-DK" sz="7200" dirty="0" err="1"/>
-              <a:t>Task</a:t>
-            </a:r>
-            <a:r>
-              <a:rPr lang="da-DK" sz="7200" dirty="0"/>
-              <a:t> Parallel Library demo</a:t>
-            </a:r>
-          </a:p>
-        </p:txBody>
-      </p:sp>
-    </p:spTree>
-    <p:extLst>
-      <p:ext uri="{BB962C8B-B14F-4D97-AF65-F5344CB8AC3E}">
-        <p14:creationId xmlns:p14="http://schemas.microsoft.com/office/powerpoint/2010/main" val="2275652044"/>
-      </p:ext>
-    </p:extLst>
-  </p:cSld>
-  <p:clrMapOvr>
-    <a:masterClrMapping/>
-  </p:clrMapOvr>
-  <p:transition>
-    <p:fade/>
-  </p:transition>
-</p:sld>
-</file>
-
-<file path=ppt/slides/slide16.xml><?xml version="1.0" encoding="utf-8"?>
-<p:sld xmlns:a="http://schemas.openxmlformats.org/drawingml/2006/main" xmlns:r="http://schemas.openxmlformats.org/officeDocument/2006/relationships" xmlns:p="http://schemas.openxmlformats.org/presentationml/2006/main">
-  <p:cSld>
-    <p:spTree>
-      <p:nvGrpSpPr>
-        <p:cNvPr id="1" name=""/>
-        <p:cNvGrpSpPr/>
-        <p:nvPr/>
-      </p:nvGrpSpPr>
-      <p:grpSpPr>
-        <a:xfrm>
-          <a:off x="0" y="0"/>
-          <a:ext cx="0" cy="0"/>
-          <a:chOff x="0" y="0"/>
-          <a:chExt cx="0" cy="0"/>
-        </a:xfrm>
-      </p:grpSpPr>
-      <p:sp>
-        <p:nvSpPr>
-          <p:cNvPr id="2" name="Title 1"/>
-          <p:cNvSpPr txBox="1">
-            <a:spLocks/>
-          </p:cNvSpPr>
-          <p:nvPr/>
+          <p:nvPr>
+            <p:ph type="title" idx="4294967295"/>
+          </p:nvPr>
         </p:nvSpPr>
         <p:spPr>
           <a:xfrm>
             <a:off x="273844" y="295275"/>
             <a:ext cx="8778875" cy="917575"/>
           </a:xfrm>
-          <a:prstGeom prst="rect">
-            <a:avLst/>
-          </a:prstGeom>
         </p:spPr>
         <p:txBody>
-          <a:bodyPr vert="horz" wrap="square" lIns="146304" tIns="91440" rIns="146304" bIns="91440" rtlCol="0" anchor="t">
-            <a:noAutofit/>
-          </a:bodyPr>
-          <a:lstStyle>
-            <a:lvl1pPr algn="l" defTabSz="932742" rtl="0" eaLnBrk="1" latinLnBrk="0" hangingPunct="1">
-              <a:lnSpc>
-                <a:spcPct val="90000"/>
-              </a:lnSpc>
-              <a:spcBef>
-                <a:spcPct val="0"/>
-              </a:spcBef>
-              <a:buNone/>
-              <a:defRPr lang="en-US" sz="4800" b="0" kern="1200" cap="none" spc="-102" baseline="0" dirty="0" smtClean="0">
-                <a:ln w="3175">
-                  <a:noFill/>
-                </a:ln>
-                <a:gradFill>
-                  <a:gsLst>
-                    <a:gs pos="1250">
-                      <a:schemeClr val="tx1"/>
-                    </a:gs>
-                    <a:gs pos="100000">
-                      <a:schemeClr val="tx1"/>
-                    </a:gs>
-                  </a:gsLst>
-                  <a:lin ang="5400000" scaled="0"/>
-                </a:gradFill>
-                <a:effectLst/>
-                <a:latin typeface="+mj-lt"/>
-                <a:ea typeface="+mn-ea"/>
-                <a:cs typeface="Segoe UI" pitchFamily="34" charset="0"/>
-              </a:defRPr>
-            </a:lvl1pPr>
-          </a:lstStyle>
-          <a:p>
-            <a:r>
-              <a:rPr lang="da-DK" dirty="0" err="1"/>
-              <a:t>System.Collections.Concurrent</a:t>
-            </a:r>
-            <a:endParaRPr lang="da-DK" dirty="0"/>
+          <a:bodyPr/>
+          <a:lstStyle/>
+          <a:p>
+            <a:r>
+              <a:rPr lang="en-US" dirty="0"/>
+              <a:t>Task Parallel Library</a:t>
+            </a:r>
           </a:p>
         </p:txBody>
       </p:sp>
       <p:sp>
         <p:nvSpPr>
-          <p:cNvPr id="3" name="Pladsholder til indhold 2"/>
+          <p:cNvPr id="4" name="Pladsholder til indhold 2"/>
           <p:cNvSpPr txBox="1">
             <a:spLocks/>
           </p:cNvSpPr>
@@ -5907,7 +5780,7 @@
         <p:spPr>
           <a:xfrm>
             <a:off x="273844" y="1212850"/>
-            <a:ext cx="8778875" cy="4021753"/>
+            <a:ext cx="8778875" cy="4661826"/>
           </a:xfrm>
           <a:prstGeom prst="rect">
             <a:avLst/>
@@ -5915,7 +5788,7 @@
         </p:spPr>
         <p:txBody>
           <a:bodyPr vert="horz" wrap="square" lIns="146304" tIns="91440" rIns="146304" bIns="91440" rtlCol="0">
-            <a:normAutofit/>
+            <a:normAutofit lnSpcReduction="10000"/>
           </a:bodyPr>
           <a:lstStyle>
             <a:lvl1pPr marL="342900" marR="0" indent="-342900" algn="l" defTabSz="932742" rtl="0" eaLnBrk="1" fontAlgn="auto" latinLnBrk="0" hangingPunct="1">
@@ -6145,12 +6018,9 @@
             </a:pPr>
             <a:r>
               <a:rPr lang="en-US" dirty="0" err="1"/>
-              <a:t>ConcurrentQueue</a:t>
-            </a:r>
-            <a:r>
-              <a:rPr lang="en-US" dirty="0"/>
-              <a:t>&lt;T&gt;</a:t>
-            </a:r>
+              <a:t>Task.Run</a:t>
+            </a:r>
+            <a:endParaRPr lang="en-US" dirty="0"/>
           </a:p>
           <a:p>
             <a:pPr marL="0" indent="0">
@@ -6158,11 +6028,11 @@
             </a:pPr>
             <a:r>
               <a:rPr lang="en-US" dirty="0" err="1"/>
-              <a:t>ConcurrentStack</a:t>
-            </a:r>
-            <a:r>
-              <a:rPr lang="en-US" dirty="0"/>
-              <a:t>&lt;T&gt;</a:t>
+              <a:t>Task.Factory</a:t>
+            </a:r>
+            <a:r>
+              <a:rPr lang="en-US" dirty="0"/>
+              <a:t>…</a:t>
             </a:r>
           </a:p>
           <a:p>
@@ -6171,12 +6041,9 @@
             </a:pPr>
             <a:r>
               <a:rPr lang="en-US" dirty="0" err="1"/>
-              <a:t>BlockingCollection</a:t>
-            </a:r>
-            <a:r>
-              <a:rPr lang="en-US" dirty="0"/>
-              <a:t>&lt;T&gt;</a:t>
-            </a:r>
+              <a:t>Task.Delay</a:t>
+            </a:r>
+            <a:endParaRPr lang="en-US" dirty="0"/>
           </a:p>
           <a:p>
             <a:pPr marL="0" indent="0">
@@ -6184,27 +6051,69 @@
             </a:pPr>
             <a:r>
               <a:rPr lang="en-US" dirty="0" err="1"/>
-              <a:t>ConcurrentDictionary</a:t>
-            </a:r>
-            <a:r>
-              <a:rPr lang="en-US" dirty="0"/>
-              <a:t>&lt;</a:t>
-            </a:r>
+              <a:t>Parallel.For</a:t>
+            </a:r>
+            <a:endParaRPr lang="en-US" dirty="0"/>
+          </a:p>
+          <a:p>
+            <a:pPr marL="0" indent="0">
+              <a:buNone/>
+            </a:pPr>
             <a:r>
               <a:rPr lang="en-US" dirty="0" err="1"/>
-              <a:t>TKey</a:t>
-            </a:r>
-            <a:r>
-              <a:rPr lang="en-US" dirty="0"/>
-              <a:t>, </a:t>
-            </a:r>
+              <a:t>Parallel.ForEach</a:t>
+            </a:r>
+            <a:endParaRPr lang="en-US" dirty="0"/>
+          </a:p>
+          <a:p>
+            <a:pPr marL="0" indent="0">
+              <a:buNone/>
+            </a:pPr>
             <a:r>
               <a:rPr lang="en-US" dirty="0" err="1"/>
-              <a:t>TValue</a:t>
-            </a:r>
-            <a:r>
-              <a:rPr lang="en-US" dirty="0"/>
-              <a:t>&gt;</a:t>
+              <a:t>Parallel.Invoke</a:t>
+            </a:r>
+            <a:endParaRPr lang="en-US" dirty="0"/>
+          </a:p>
+          <a:p>
+            <a:pPr marL="0" indent="0">
+              <a:buNone/>
+            </a:pPr>
+            <a:endParaRPr lang="en-US" dirty="0"/>
+          </a:p>
+          <a:p>
+            <a:pPr marL="0" indent="0">
+              <a:buNone/>
+            </a:pPr>
+            <a:r>
+              <a:rPr lang="en-US" dirty="0"/>
+              <a:t>Parallel </a:t>
+            </a:r>
+            <a:r>
+              <a:rPr lang="en-US" dirty="0" err="1"/>
+              <a:t>Linq</a:t>
+            </a:r>
+            <a:r>
+              <a:rPr lang="en-US" dirty="0"/>
+              <a:t> </a:t>
+            </a:r>
+            <a:r>
+              <a:rPr lang="en-US" dirty="0">
+                <a:sym typeface="Wingdings" panose="05000000000000000000" pitchFamily="2" charset="2"/>
+              </a:rPr>
+              <a:t></a:t>
+            </a:r>
+            <a:r>
+              <a:rPr lang="en-US" dirty="0"/>
+              <a:t> .</a:t>
+            </a:r>
+            <a:r>
+              <a:rPr lang="en-US" dirty="0" err="1"/>
+              <a:t>AsParallel</a:t>
+            </a:r>
+            <a:r>
+              <a:rPr lang="en-US" dirty="0"/>
+              <a:t>()</a:t>
             </a:r>
           </a:p>
         </p:txBody>
@@ -6212,7 +6121,102 @@
     </p:spTree>
     <p:extLst>
       <p:ext uri="{BB962C8B-B14F-4D97-AF65-F5344CB8AC3E}">
-        <p14:creationId xmlns:p14="http://schemas.microsoft.com/office/powerpoint/2010/main" val="1673771785"/>
+        <p14:creationId xmlns:p14="http://schemas.microsoft.com/office/powerpoint/2010/main" val="2350092224"/>
+      </p:ext>
+    </p:extLst>
+  </p:cSld>
+  <p:clrMapOvr>
+    <a:masterClrMapping/>
+  </p:clrMapOvr>
+  <p:transition>
+    <p:fade/>
+  </p:transition>
+</p:sld>
+</file>
+
+<file path=ppt/slides/slide16.xml><?xml version="1.0" encoding="utf-8"?>
+<p:sld xmlns:a="http://schemas.openxmlformats.org/drawingml/2006/main" xmlns:r="http://schemas.openxmlformats.org/officeDocument/2006/relationships" xmlns:p="http://schemas.openxmlformats.org/presentationml/2006/main">
+  <p:cSld>
+    <p:spTree>
+      <p:nvGrpSpPr>
+        <p:cNvPr id="1" name=""/>
+        <p:cNvGrpSpPr/>
+        <p:nvPr/>
+      </p:nvGrpSpPr>
+      <p:grpSpPr>
+        <a:xfrm>
+          <a:off x="0" y="0"/>
+          <a:ext cx="0" cy="0"/>
+          <a:chOff x="0" y="0"/>
+          <a:chExt cx="0" cy="0"/>
+        </a:xfrm>
+      </p:grpSpPr>
+      <p:sp>
+        <p:nvSpPr>
+          <p:cNvPr id="2" name="Title 1"/>
+          <p:cNvSpPr txBox="1">
+            <a:spLocks/>
+          </p:cNvSpPr>
+          <p:nvPr/>
+        </p:nvSpPr>
+        <p:spPr>
+          <a:xfrm>
+            <a:off x="274209" y="2125663"/>
+            <a:ext cx="8778240" cy="1831975"/>
+          </a:xfrm>
+          <a:prstGeom prst="rect">
+            <a:avLst/>
+          </a:prstGeom>
+        </p:spPr>
+        <p:txBody>
+          <a:bodyPr/>
+          <a:lstStyle>
+            <a:lvl1pPr algn="l" defTabSz="932742" rtl="0" eaLnBrk="1" latinLnBrk="0" hangingPunct="1">
+              <a:lnSpc>
+                <a:spcPct val="90000"/>
+              </a:lnSpc>
+              <a:spcBef>
+                <a:spcPct val="0"/>
+              </a:spcBef>
+              <a:buNone/>
+              <a:defRPr lang="en-US" sz="4800" b="0" kern="1200" cap="none" spc="-102" baseline="0" dirty="0" smtClean="0">
+                <a:ln w="3175">
+                  <a:noFill/>
+                </a:ln>
+                <a:gradFill>
+                  <a:gsLst>
+                    <a:gs pos="1250">
+                      <a:schemeClr val="tx1"/>
+                    </a:gs>
+                    <a:gs pos="100000">
+                      <a:schemeClr val="tx1"/>
+                    </a:gs>
+                  </a:gsLst>
+                  <a:lin ang="5400000" scaled="0"/>
+                </a:gradFill>
+                <a:effectLst/>
+                <a:latin typeface="+mj-lt"/>
+                <a:ea typeface="+mn-ea"/>
+                <a:cs typeface="Segoe UI" pitchFamily="34" charset="0"/>
+              </a:defRPr>
+            </a:lvl1pPr>
+          </a:lstStyle>
+          <a:p>
+            <a:r>
+              <a:rPr lang="da-DK" sz="7200" dirty="0" err="1"/>
+              <a:t>Task</a:t>
+            </a:r>
+            <a:r>
+              <a:rPr lang="da-DK" sz="7200" dirty="0"/>
+              <a:t> Parallel Library demo</a:t>
+            </a:r>
+          </a:p>
+        </p:txBody>
+      </p:sp>
+    </p:spTree>
+    <p:extLst>
+      <p:ext uri="{BB962C8B-B14F-4D97-AF65-F5344CB8AC3E}">
+        <p14:creationId xmlns:p14="http://schemas.microsoft.com/office/powerpoint/2010/main" val="2275652044"/>
       </p:ext>
     </p:extLst>
   </p:cSld>
@@ -6296,9 +6300,10 @@
           </a:lstStyle>
           <a:p>
             <a:r>
-              <a:rPr lang="da-DK" dirty="0"/>
-              <a:t>Asynchronous Programming</a:t>
-            </a:r>
+              <a:rPr lang="da-DK" dirty="0" err="1"/>
+              <a:t>System.Collections.Concurrent</a:t>
+            </a:r>
+            <a:endParaRPr lang="da-DK" dirty="0"/>
           </a:p>
         </p:txBody>
       </p:sp>
@@ -6313,7 +6318,7 @@
         <p:spPr>
           <a:xfrm>
             <a:off x="273844" y="1212850"/>
-            <a:ext cx="8778875" cy="5210460"/>
+            <a:ext cx="8778875" cy="4021753"/>
           </a:xfrm>
           <a:prstGeom prst="rect">
             <a:avLst/>
@@ -6321,7 +6326,7 @@
         </p:spPr>
         <p:txBody>
           <a:bodyPr vert="horz" wrap="square" lIns="146304" tIns="91440" rIns="146304" bIns="91440" rtlCol="0">
-            <a:noAutofit/>
+            <a:normAutofit/>
           </a:bodyPr>
           <a:lstStyle>
             <a:lvl1pPr marL="342900" marR="0" indent="-342900" algn="l" defTabSz="932742" rtl="0" eaLnBrk="1" fontAlgn="auto" latinLnBrk="0" hangingPunct="1">
@@ -6550,78 +6555,38 @@
               <a:buNone/>
             </a:pPr>
             <a:r>
-              <a:rPr lang="en-US" sz="2800" dirty="0" err="1">
-                <a:latin typeface="Consolas" panose="020B0609020204030204" pitchFamily="49" charset="0"/>
-              </a:rPr>
-              <a:t>async</a:t>
-            </a:r>
-            <a:r>
-              <a:rPr lang="en-US" sz="2800" dirty="0"/>
-              <a:t> </a:t>
-            </a:r>
-            <a:r>
-              <a:rPr lang="en-US" sz="2800" dirty="0">
-                <a:sym typeface="Wingdings" panose="05000000000000000000" pitchFamily="2" charset="2"/>
-              </a:rPr>
-              <a:t></a:t>
+              <a:rPr lang="en-US" dirty="0" err="1"/>
+              <a:t>ConcurrentQueue</a:t>
+            </a:r>
+            <a:r>
+              <a:rPr lang="en-US" dirty="0"/>
+              <a:t>&lt;T&gt;</a:t>
             </a:r>
           </a:p>
           <a:p>
             <a:pPr marL="0" indent="0">
               <a:buNone/>
             </a:pPr>
-            <a:endParaRPr lang="en-US" sz="2800" dirty="0">
-              <a:sym typeface="Wingdings" panose="05000000000000000000" pitchFamily="2" charset="2"/>
-            </a:endParaRPr>
+            <a:r>
+              <a:rPr lang="en-US" dirty="0" err="1"/>
+              <a:t>ConcurrentStack</a:t>
+            </a:r>
+            <a:r>
+              <a:rPr lang="en-US" dirty="0"/>
+              <a:t>&lt;T&gt;</a:t>
+            </a:r>
           </a:p>
           <a:p>
             <a:pPr marL="0" indent="0">
               <a:buNone/>
             </a:pPr>
             <a:r>
-              <a:rPr lang="en-US" sz="2800" dirty="0">
-                <a:sym typeface="Wingdings" panose="05000000000000000000" pitchFamily="2" charset="2"/>
-              </a:rPr>
-              <a:t>Method must return </a:t>
-            </a:r>
-            <a:r>
-              <a:rPr lang="en-US" sz="2800" dirty="0">
-                <a:latin typeface="Consolas" panose="020B0609020204030204" pitchFamily="49" charset="0"/>
-                <a:sym typeface="Wingdings" panose="05000000000000000000" pitchFamily="2" charset="2"/>
-              </a:rPr>
-              <a:t>void</a:t>
-            </a:r>
-            <a:r>
-              <a:rPr lang="en-US" sz="2800" dirty="0">
-                <a:sym typeface="Wingdings" panose="05000000000000000000" pitchFamily="2" charset="2"/>
-              </a:rPr>
-              <a:t>, </a:t>
-            </a:r>
-            <a:r>
-              <a:rPr lang="en-US" sz="2800" dirty="0">
-                <a:latin typeface="Consolas" panose="020B0609020204030204" pitchFamily="49" charset="0"/>
-                <a:sym typeface="Wingdings" panose="05000000000000000000" pitchFamily="2" charset="2"/>
-              </a:rPr>
-              <a:t>Task</a:t>
-            </a:r>
-            <a:r>
-              <a:rPr lang="en-US" sz="2800" dirty="0">
-                <a:sym typeface="Wingdings" panose="05000000000000000000" pitchFamily="2" charset="2"/>
-              </a:rPr>
-              <a:t>, </a:t>
-            </a:r>
-            <a:r>
-              <a:rPr lang="en-US" sz="2800" dirty="0">
-                <a:latin typeface="Consolas" panose="020B0609020204030204" pitchFamily="49" charset="0"/>
-                <a:sym typeface="Wingdings" panose="05000000000000000000" pitchFamily="2" charset="2"/>
-              </a:rPr>
-              <a:t>Task&lt;T&gt;</a:t>
-            </a:r>
-            <a:r>
-              <a:rPr lang="en-US" sz="2800" dirty="0">
-                <a:sym typeface="Wingdings" panose="05000000000000000000" pitchFamily="2" charset="2"/>
-              </a:rPr>
-              <a:t>, or a task-like type. </a:t>
+              <a:rPr lang="en-US" dirty="0" err="1"/>
+              <a:t>BlockingCollection</a:t>
+            </a:r>
+            <a:r>
+              <a:rPr lang="en-US" dirty="0"/>
+              <a:t>&lt;T&gt;</a:t>
             </a:r>
           </a:p>
           <a:p>
@@ -6629,106 +6594,36 @@
               <a:buNone/>
             </a:pPr>
             <a:r>
-              <a:rPr lang="en-US" sz="2800" dirty="0">
-                <a:sym typeface="Wingdings" panose="05000000000000000000" pitchFamily="2" charset="2"/>
-              </a:rPr>
-              <a:t>Specifically: a type, which satisfy the </a:t>
-            </a:r>
-            <a:r>
-              <a:rPr lang="en-US" sz="2800" dirty="0" err="1">
-                <a:latin typeface="Consolas" panose="020B0609020204030204" pitchFamily="49" charset="0"/>
-                <a:sym typeface="Wingdings" panose="05000000000000000000" pitchFamily="2" charset="2"/>
-              </a:rPr>
-              <a:t>async</a:t>
-            </a:r>
-            <a:r>
-              <a:rPr lang="en-US" sz="2800" dirty="0">
-                <a:sym typeface="Wingdings" panose="05000000000000000000" pitchFamily="2" charset="2"/>
-              </a:rPr>
-              <a:t> pattern, meaning a </a:t>
-            </a:r>
-            <a:r>
-              <a:rPr lang="en-US" sz="2800" dirty="0" err="1">
-                <a:latin typeface="Consolas" panose="020B0609020204030204" pitchFamily="49" charset="0"/>
-                <a:sym typeface="Wingdings" panose="05000000000000000000" pitchFamily="2" charset="2"/>
-              </a:rPr>
-              <a:t>GetAwaiter</a:t>
-            </a:r>
-            <a:r>
-              <a:rPr lang="en-US" sz="2800" dirty="0">
-                <a:sym typeface="Wingdings" panose="05000000000000000000" pitchFamily="2" charset="2"/>
-              </a:rPr>
-              <a:t> method must be accessible.</a:t>
-            </a:r>
-          </a:p>
-          <a:p>
-            <a:pPr marL="0" indent="0">
-              <a:buNone/>
-            </a:pPr>
-            <a:endParaRPr lang="en-US" sz="2800" dirty="0">
-              <a:latin typeface="Consolas" panose="020B0609020204030204" pitchFamily="49" charset="0"/>
-              <a:sym typeface="Wingdings" panose="05000000000000000000" pitchFamily="2" charset="2"/>
-            </a:endParaRPr>
-          </a:p>
-          <a:p>
-            <a:pPr marL="0" indent="0">
-              <a:buNone/>
-            </a:pPr>
-            <a:r>
-              <a:rPr lang="en-US" sz="2800" dirty="0">
-                <a:latin typeface="Consolas" panose="020B0609020204030204" pitchFamily="49" charset="0"/>
-                <a:sym typeface="Wingdings" panose="05000000000000000000" pitchFamily="2" charset="2"/>
-              </a:rPr>
-              <a:t>await</a:t>
-            </a:r>
-            <a:r>
-              <a:rPr lang="en-US" sz="2800" i="1" dirty="0">
-                <a:sym typeface="Wingdings" panose="05000000000000000000" pitchFamily="2" charset="2"/>
-              </a:rPr>
-              <a:t> </a:t>
-            </a:r>
-            <a:r>
-              <a:rPr lang="en-US" sz="2800" dirty="0">
-                <a:sym typeface="Wingdings" panose="05000000000000000000" pitchFamily="2" charset="2"/>
-              </a:rPr>
-              <a:t> Await task(s)…</a:t>
-            </a:r>
-          </a:p>
-          <a:p>
-            <a:pPr marL="0" indent="0">
-              <a:buNone/>
-            </a:pPr>
-            <a:endParaRPr lang="en-US" sz="2800" dirty="0">
-              <a:sym typeface="Wingdings" panose="05000000000000000000" pitchFamily="2" charset="2"/>
-            </a:endParaRPr>
-          </a:p>
-          <a:p>
-            <a:pPr marL="0" indent="0">
-              <a:buNone/>
-            </a:pPr>
-            <a:r>
-              <a:rPr lang="en-US" sz="2800" dirty="0">
-                <a:sym typeface="Wingdings" panose="05000000000000000000" pitchFamily="2" charset="2"/>
-              </a:rPr>
-              <a:t>Note: Test methods must return </a:t>
-            </a:r>
-            <a:r>
-              <a:rPr lang="en-US" sz="2800" dirty="0">
-                <a:latin typeface="Consolas" panose="020B0609020204030204" pitchFamily="49" charset="0"/>
-                <a:sym typeface="Wingdings" panose="05000000000000000000" pitchFamily="2" charset="2"/>
-              </a:rPr>
-              <a:t>Task</a:t>
-            </a:r>
-            <a:endParaRPr lang="en-US" sz="2800" dirty="0">
-              <a:latin typeface="Consolas" panose="020B0609020204030204" pitchFamily="49" charset="0"/>
-            </a:endParaRPr>
+              <a:rPr lang="en-US" dirty="0" err="1"/>
+              <a:t>ConcurrentDictionary</a:t>
+            </a:r>
+            <a:r>
+              <a:rPr lang="en-US" dirty="0"/>
+              <a:t>&lt;</a:t>
+            </a:r>
+            <a:r>
+              <a:rPr lang="en-US" dirty="0" err="1"/>
+              <a:t>TKey</a:t>
+            </a:r>
+            <a:r>
+              <a:rPr lang="en-US" dirty="0"/>
+              <a:t>, </a:t>
+            </a:r>
+            <a:r>
+              <a:rPr lang="en-US" dirty="0" err="1"/>
+              <a:t>TValue</a:t>
+            </a:r>
+            <a:r>
+              <a:rPr lang="en-US" dirty="0"/>
+              <a:t>&gt;</a:t>
+            </a:r>
           </a:p>
         </p:txBody>
       </p:sp>
     </p:spTree>
     <p:extLst>
       <p:ext uri="{BB962C8B-B14F-4D97-AF65-F5344CB8AC3E}">
-        <p14:creationId xmlns:p14="http://schemas.microsoft.com/office/powerpoint/2010/main" val="2678666350"/>
+        <p14:creationId xmlns:p14="http://schemas.microsoft.com/office/powerpoint/2010/main" val="1673771785"/>
       </p:ext>
     </p:extLst>
   </p:cSld>
@@ -6761,226 +6656,6 @@
       <p:sp>
         <p:nvSpPr>
           <p:cNvPr id="2" name="Title 1"/>
-          <p:cNvSpPr>
-            <a:spLocks noGrp="1"/>
-          </p:cNvSpPr>
-          <p:nvPr>
-            <p:ph type="title" idx="4294967295"/>
-          </p:nvPr>
-        </p:nvSpPr>
-        <p:spPr>
-          <a:xfrm>
-            <a:off x="274637" y="2125663"/>
-            <a:ext cx="8777288" cy="1831975"/>
-          </a:xfrm>
-          <a:prstGeom prst="rect">
-            <a:avLst/>
-          </a:prstGeom>
-        </p:spPr>
-        <p:txBody>
-          <a:bodyPr/>
-          <a:lstStyle/>
-          <a:p>
-            <a:r>
-              <a:rPr lang="en-US" sz="7200" dirty="0" err="1"/>
-              <a:t>Async</a:t>
-            </a:r>
-            <a:r>
-              <a:rPr lang="en-US" sz="7200" dirty="0"/>
-              <a:t> demo</a:t>
-            </a:r>
-            <a:endParaRPr lang="da-DK" sz="7200" dirty="0"/>
-          </a:p>
-        </p:txBody>
-      </p:sp>
-    </p:spTree>
-    <p:extLst>
-      <p:ext uri="{BB962C8B-B14F-4D97-AF65-F5344CB8AC3E}">
-        <p14:creationId xmlns:p14="http://schemas.microsoft.com/office/powerpoint/2010/main" val="1079085185"/>
-      </p:ext>
-    </p:extLst>
-  </p:cSld>
-  <p:clrMapOvr>
-    <a:masterClrMapping/>
-  </p:clrMapOvr>
-  <p:transition>
-    <p:fade/>
-  </p:transition>
-</p:sld>
-</file>
-
-<file path=ppt/slides/slide2.xml><?xml version="1.0" encoding="utf-8"?>
-<p:sld xmlns:a="http://schemas.openxmlformats.org/drawingml/2006/main" xmlns:r="http://schemas.openxmlformats.org/officeDocument/2006/relationships" xmlns:p="http://schemas.openxmlformats.org/presentationml/2006/main">
-  <p:cSld>
-    <p:bg>
-      <p:bgPr>
-        <a:solidFill>
-          <a:srgbClr val="007233"/>
-        </a:solidFill>
-        <a:effectLst/>
-      </p:bgPr>
-    </p:bg>
-    <p:spTree>
-      <p:nvGrpSpPr>
-        <p:cNvPr id="1" name=""/>
-        <p:cNvGrpSpPr/>
-        <p:nvPr/>
-      </p:nvGrpSpPr>
-      <p:grpSpPr>
-        <a:xfrm>
-          <a:off x="0" y="0"/>
-          <a:ext cx="0" cy="0"/>
-          <a:chOff x="0" y="0"/>
-          <a:chExt cx="0" cy="0"/>
-        </a:xfrm>
-      </p:grpSpPr>
-      <p:sp>
-        <p:nvSpPr>
-          <p:cNvPr id="3" name="Title 2"/>
-          <p:cNvSpPr>
-            <a:spLocks noGrp="1"/>
-          </p:cNvSpPr>
-          <p:nvPr>
-            <p:ph type="title"/>
-          </p:nvPr>
-        </p:nvSpPr>
-        <p:spPr/>
-        <p:txBody>
-          <a:bodyPr/>
-          <a:lstStyle/>
-          <a:p>
-            <a:r>
-              <a:rPr lang="da-DK" dirty="0">
-                <a:solidFill>
-                  <a:schemeClr val="bg1"/>
-                </a:solidFill>
-              </a:rPr>
-              <a:t>Agenda</a:t>
-            </a:r>
-          </a:p>
-        </p:txBody>
-      </p:sp>
-      <p:sp>
-        <p:nvSpPr>
-          <p:cNvPr id="4" name="Text Placeholder 3"/>
-          <p:cNvSpPr>
-            <a:spLocks noGrp="1"/>
-          </p:cNvSpPr>
-          <p:nvPr>
-            <p:ph type="body" sz="quarter" idx="10"/>
-          </p:nvPr>
-        </p:nvSpPr>
-        <p:spPr>
-          <a:xfrm>
-            <a:off x="274209" y="1212850"/>
-            <a:ext cx="8778240" cy="4339650"/>
-          </a:xfrm>
-        </p:spPr>
-        <p:txBody>
-          <a:bodyPr/>
-          <a:lstStyle/>
-          <a:p>
-            <a:r>
-              <a:rPr lang="en-US" dirty="0">
-                <a:solidFill>
-                  <a:schemeClr val="bg1"/>
-                </a:solidFill>
-              </a:rPr>
-              <a:t>Multithreading</a:t>
-            </a:r>
-          </a:p>
-          <a:p>
-            <a:r>
-              <a:rPr lang="en-US" dirty="0">
-                <a:solidFill>
-                  <a:schemeClr val="bg1"/>
-                </a:solidFill>
-              </a:rPr>
-              <a:t>Concurrency</a:t>
-            </a:r>
-          </a:p>
-          <a:p>
-            <a:r>
-              <a:rPr lang="en-US" dirty="0">
-                <a:solidFill>
-                  <a:schemeClr val="bg1"/>
-                </a:solidFill>
-              </a:rPr>
-              <a:t>Threads</a:t>
-            </a:r>
-          </a:p>
-          <a:p>
-            <a:r>
-              <a:rPr lang="en-US" dirty="0">
-                <a:solidFill>
-                  <a:schemeClr val="bg1"/>
-                </a:solidFill>
-              </a:rPr>
-              <a:t>Task Parallel Library</a:t>
-            </a:r>
-          </a:p>
-          <a:p>
-            <a:r>
-              <a:rPr lang="en-US" dirty="0">
-                <a:solidFill>
-                  <a:schemeClr val="bg1"/>
-                </a:solidFill>
-              </a:rPr>
-              <a:t>Asynchronous Programming</a:t>
-            </a:r>
-          </a:p>
-          <a:p>
-            <a:endParaRPr lang="en-US" dirty="0">
-              <a:solidFill>
-                <a:schemeClr val="bg1"/>
-              </a:solidFill>
-            </a:endParaRPr>
-          </a:p>
-          <a:p>
-            <a:endParaRPr lang="en-US" dirty="0">
-              <a:solidFill>
-                <a:schemeClr val="bg1"/>
-              </a:solidFill>
-            </a:endParaRPr>
-          </a:p>
-        </p:txBody>
-      </p:sp>
-    </p:spTree>
-    <p:extLst>
-      <p:ext uri="{BB962C8B-B14F-4D97-AF65-F5344CB8AC3E}">
-        <p14:creationId xmlns:p14="http://schemas.microsoft.com/office/powerpoint/2010/main" val="1116457128"/>
-      </p:ext>
-    </p:extLst>
-  </p:cSld>
-  <p:clrMapOvr>
-    <a:masterClrMapping/>
-  </p:clrMapOvr>
-  <p:transition>
-    <p:fade/>
-  </p:transition>
-</p:sld>
-</file>
-
-<file path=ppt/slides/slide3.xml><?xml version="1.0" encoding="utf-8"?>
-<p:sld xmlns:a="http://schemas.openxmlformats.org/drawingml/2006/main" xmlns:r="http://schemas.openxmlformats.org/officeDocument/2006/relationships" xmlns:p="http://schemas.openxmlformats.org/presentationml/2006/main">
-  <p:cSld>
-    <p:spTree>
-      <p:nvGrpSpPr>
-        <p:cNvPr id="1" name=""/>
-        <p:cNvGrpSpPr/>
-        <p:nvPr/>
-      </p:nvGrpSpPr>
-      <p:grpSpPr>
-        <a:xfrm>
-          <a:off x="0" y="0"/>
-          <a:ext cx="0" cy="0"/>
-          <a:chOff x="0" y="0"/>
-          <a:chExt cx="0" cy="0"/>
-        </a:xfrm>
-      </p:grpSpPr>
-      <p:sp>
-        <p:nvSpPr>
-          <p:cNvPr id="2" name="Titel 1"/>
           <p:cNvSpPr txBox="1">
             <a:spLocks/>
           </p:cNvSpPr>
@@ -7032,8 +6707,8 @@
           </a:lstStyle>
           <a:p>
             <a:r>
-              <a:rPr lang="en-US" dirty="0"/>
-              <a:t>Multithreading</a:t>
+              <a:rPr lang="da-DK" dirty="0"/>
+              <a:t>Asynchronous Programming</a:t>
             </a:r>
           </a:p>
         </p:txBody>
@@ -7049,7 +6724,7 @@
         <p:spPr>
           <a:xfrm>
             <a:off x="273844" y="1212850"/>
-            <a:ext cx="8778875" cy="4021753"/>
+            <a:ext cx="8778875" cy="5210460"/>
           </a:xfrm>
           <a:prstGeom prst="rect">
             <a:avLst/>
@@ -7057,7 +6732,7 @@
         </p:spPr>
         <p:txBody>
           <a:bodyPr vert="horz" wrap="square" lIns="146304" tIns="91440" rIns="146304" bIns="91440" rtlCol="0">
-            <a:normAutofit/>
+            <a:noAutofit/>
           </a:bodyPr>
           <a:lstStyle>
             <a:lvl1pPr marL="342900" marR="0" indent="-342900" algn="l" defTabSz="932742" rtl="0" eaLnBrk="1" fontAlgn="auto" latinLnBrk="0" hangingPunct="1">
@@ -7286,6 +6961,1954 @@
               <a:buNone/>
             </a:pPr>
             <a:r>
+              <a:rPr lang="en-US" sz="2800" dirty="0" err="1">
+                <a:latin typeface="Consolas" panose="020B0609020204030204" pitchFamily="49" charset="0"/>
+              </a:rPr>
+              <a:t>async</a:t>
+            </a:r>
+            <a:r>
+              <a:rPr lang="en-US" sz="2800" dirty="0"/>
+              <a:t> </a:t>
+            </a:r>
+            <a:r>
+              <a:rPr lang="en-US" sz="2800" dirty="0">
+                <a:sym typeface="Wingdings" panose="05000000000000000000" pitchFamily="2" charset="2"/>
+              </a:rPr>
+              <a:t></a:t>
+            </a:r>
+          </a:p>
+          <a:p>
+            <a:pPr marL="0" indent="0">
+              <a:buNone/>
+            </a:pPr>
+            <a:endParaRPr lang="en-US" sz="2800" dirty="0">
+              <a:sym typeface="Wingdings" panose="05000000000000000000" pitchFamily="2" charset="2"/>
+            </a:endParaRPr>
+          </a:p>
+          <a:p>
+            <a:pPr marL="0" indent="0">
+              <a:buNone/>
+            </a:pPr>
+            <a:r>
+              <a:rPr lang="en-US" sz="2800" dirty="0">
+                <a:sym typeface="Wingdings" panose="05000000000000000000" pitchFamily="2" charset="2"/>
+              </a:rPr>
+              <a:t>Method must return </a:t>
+            </a:r>
+            <a:r>
+              <a:rPr lang="en-US" sz="2800" dirty="0">
+                <a:latin typeface="Consolas" panose="020B0609020204030204" pitchFamily="49" charset="0"/>
+                <a:sym typeface="Wingdings" panose="05000000000000000000" pitchFamily="2" charset="2"/>
+              </a:rPr>
+              <a:t>void</a:t>
+            </a:r>
+            <a:r>
+              <a:rPr lang="en-US" sz="2800" dirty="0">
+                <a:sym typeface="Wingdings" panose="05000000000000000000" pitchFamily="2" charset="2"/>
+              </a:rPr>
+              <a:t>, </a:t>
+            </a:r>
+            <a:r>
+              <a:rPr lang="en-US" sz="2800" dirty="0">
+                <a:latin typeface="Consolas" panose="020B0609020204030204" pitchFamily="49" charset="0"/>
+                <a:sym typeface="Wingdings" panose="05000000000000000000" pitchFamily="2" charset="2"/>
+              </a:rPr>
+              <a:t>Task</a:t>
+            </a:r>
+            <a:r>
+              <a:rPr lang="en-US" sz="2800" dirty="0">
+                <a:sym typeface="Wingdings" panose="05000000000000000000" pitchFamily="2" charset="2"/>
+              </a:rPr>
+              <a:t>, </a:t>
+            </a:r>
+            <a:r>
+              <a:rPr lang="en-US" sz="2800" dirty="0">
+                <a:latin typeface="Consolas" panose="020B0609020204030204" pitchFamily="49" charset="0"/>
+                <a:sym typeface="Wingdings" panose="05000000000000000000" pitchFamily="2" charset="2"/>
+              </a:rPr>
+              <a:t>Task&lt;T&gt;</a:t>
+            </a:r>
+            <a:r>
+              <a:rPr lang="en-US" sz="2800" dirty="0">
+                <a:sym typeface="Wingdings" panose="05000000000000000000" pitchFamily="2" charset="2"/>
+              </a:rPr>
+              <a:t>, or a task-like type. </a:t>
+            </a:r>
+          </a:p>
+          <a:p>
+            <a:pPr marL="0" indent="0">
+              <a:buNone/>
+            </a:pPr>
+            <a:r>
+              <a:rPr lang="en-US" sz="2800" dirty="0">
+                <a:sym typeface="Wingdings" panose="05000000000000000000" pitchFamily="2" charset="2"/>
+              </a:rPr>
+              <a:t>Specifically: a type, which satisfy the </a:t>
+            </a:r>
+            <a:r>
+              <a:rPr lang="en-US" sz="2800" dirty="0" err="1">
+                <a:latin typeface="Consolas" panose="020B0609020204030204" pitchFamily="49" charset="0"/>
+                <a:sym typeface="Wingdings" panose="05000000000000000000" pitchFamily="2" charset="2"/>
+              </a:rPr>
+              <a:t>async</a:t>
+            </a:r>
+            <a:r>
+              <a:rPr lang="en-US" sz="2800" dirty="0">
+                <a:sym typeface="Wingdings" panose="05000000000000000000" pitchFamily="2" charset="2"/>
+              </a:rPr>
+              <a:t> pattern, meaning a </a:t>
+            </a:r>
+            <a:r>
+              <a:rPr lang="en-US" sz="2800" dirty="0" err="1">
+                <a:latin typeface="Consolas" panose="020B0609020204030204" pitchFamily="49" charset="0"/>
+                <a:sym typeface="Wingdings" panose="05000000000000000000" pitchFamily="2" charset="2"/>
+              </a:rPr>
+              <a:t>GetAwaiter</a:t>
+            </a:r>
+            <a:r>
+              <a:rPr lang="en-US" sz="2800" dirty="0">
+                <a:sym typeface="Wingdings" panose="05000000000000000000" pitchFamily="2" charset="2"/>
+              </a:rPr>
+              <a:t> method must be accessible.</a:t>
+            </a:r>
+          </a:p>
+          <a:p>
+            <a:pPr marL="0" indent="0">
+              <a:buNone/>
+            </a:pPr>
+            <a:endParaRPr lang="en-US" sz="2800" dirty="0">
+              <a:latin typeface="Consolas" panose="020B0609020204030204" pitchFamily="49" charset="0"/>
+              <a:sym typeface="Wingdings" panose="05000000000000000000" pitchFamily="2" charset="2"/>
+            </a:endParaRPr>
+          </a:p>
+          <a:p>
+            <a:pPr marL="0" indent="0">
+              <a:buNone/>
+            </a:pPr>
+            <a:r>
+              <a:rPr lang="en-US" sz="2800" dirty="0">
+                <a:latin typeface="Consolas" panose="020B0609020204030204" pitchFamily="49" charset="0"/>
+                <a:sym typeface="Wingdings" panose="05000000000000000000" pitchFamily="2" charset="2"/>
+              </a:rPr>
+              <a:t>await</a:t>
+            </a:r>
+            <a:r>
+              <a:rPr lang="en-US" sz="2800" i="1" dirty="0">
+                <a:sym typeface="Wingdings" panose="05000000000000000000" pitchFamily="2" charset="2"/>
+              </a:rPr>
+              <a:t> </a:t>
+            </a:r>
+            <a:r>
+              <a:rPr lang="en-US" sz="2800" dirty="0">
+                <a:sym typeface="Wingdings" panose="05000000000000000000" pitchFamily="2" charset="2"/>
+              </a:rPr>
+              <a:t> Await task(s)…</a:t>
+            </a:r>
+          </a:p>
+          <a:p>
+            <a:pPr marL="0" indent="0">
+              <a:buNone/>
+            </a:pPr>
+            <a:endParaRPr lang="en-US" sz="2800" dirty="0">
+              <a:sym typeface="Wingdings" panose="05000000000000000000" pitchFamily="2" charset="2"/>
+            </a:endParaRPr>
+          </a:p>
+          <a:p>
+            <a:pPr marL="0" indent="0">
+              <a:buNone/>
+            </a:pPr>
+            <a:r>
+              <a:rPr lang="en-US" sz="2800" dirty="0">
+                <a:sym typeface="Wingdings" panose="05000000000000000000" pitchFamily="2" charset="2"/>
+              </a:rPr>
+              <a:t>Note: Test methods must return </a:t>
+            </a:r>
+            <a:r>
+              <a:rPr lang="en-US" sz="2800" dirty="0">
+                <a:latin typeface="Consolas" panose="020B0609020204030204" pitchFamily="49" charset="0"/>
+                <a:sym typeface="Wingdings" panose="05000000000000000000" pitchFamily="2" charset="2"/>
+              </a:rPr>
+              <a:t>Task</a:t>
+            </a:r>
+            <a:endParaRPr lang="en-US" sz="2800" dirty="0">
+              <a:latin typeface="Consolas" panose="020B0609020204030204" pitchFamily="49" charset="0"/>
+            </a:endParaRPr>
+          </a:p>
+        </p:txBody>
+      </p:sp>
+    </p:spTree>
+    <p:extLst>
+      <p:ext uri="{BB962C8B-B14F-4D97-AF65-F5344CB8AC3E}">
+        <p14:creationId xmlns:p14="http://schemas.microsoft.com/office/powerpoint/2010/main" val="2678666350"/>
+      </p:ext>
+    </p:extLst>
+  </p:cSld>
+  <p:clrMapOvr>
+    <a:masterClrMapping/>
+  </p:clrMapOvr>
+  <p:transition>
+    <p:fade/>
+  </p:transition>
+</p:sld>
+</file>
+
+<file path=ppt/slides/slide19.xml><?xml version="1.0" encoding="utf-8"?>
+<p:sld xmlns:a="http://schemas.openxmlformats.org/drawingml/2006/main" xmlns:r="http://schemas.openxmlformats.org/officeDocument/2006/relationships" xmlns:p="http://schemas.openxmlformats.org/presentationml/2006/main">
+  <p:cSld>
+    <p:spTree>
+      <p:nvGrpSpPr>
+        <p:cNvPr id="1" name=""/>
+        <p:cNvGrpSpPr/>
+        <p:nvPr/>
+      </p:nvGrpSpPr>
+      <p:grpSpPr>
+        <a:xfrm>
+          <a:off x="0" y="0"/>
+          <a:ext cx="0" cy="0"/>
+          <a:chOff x="0" y="0"/>
+          <a:chExt cx="0" cy="0"/>
+        </a:xfrm>
+      </p:grpSpPr>
+      <p:sp>
+        <p:nvSpPr>
+          <p:cNvPr id="2" name="Title 1"/>
+          <p:cNvSpPr>
+            <a:spLocks noGrp="1"/>
+          </p:cNvSpPr>
+          <p:nvPr>
+            <p:ph type="title" idx="4294967295"/>
+          </p:nvPr>
+        </p:nvSpPr>
+        <p:spPr>
+          <a:xfrm>
+            <a:off x="274637" y="2125663"/>
+            <a:ext cx="8777288" cy="1831975"/>
+          </a:xfrm>
+          <a:prstGeom prst="rect">
+            <a:avLst/>
+          </a:prstGeom>
+        </p:spPr>
+        <p:txBody>
+          <a:bodyPr/>
+          <a:lstStyle/>
+          <a:p>
+            <a:r>
+              <a:rPr lang="en-US" sz="7200" dirty="0" err="1"/>
+              <a:t>Async</a:t>
+            </a:r>
+            <a:r>
+              <a:rPr lang="en-US" sz="7200" dirty="0"/>
+              <a:t> demo</a:t>
+            </a:r>
+            <a:endParaRPr lang="da-DK" sz="7200" dirty="0"/>
+          </a:p>
+        </p:txBody>
+      </p:sp>
+    </p:spTree>
+    <p:extLst>
+      <p:ext uri="{BB962C8B-B14F-4D97-AF65-F5344CB8AC3E}">
+        <p14:creationId xmlns:p14="http://schemas.microsoft.com/office/powerpoint/2010/main" val="1079085185"/>
+      </p:ext>
+    </p:extLst>
+  </p:cSld>
+  <p:clrMapOvr>
+    <a:masterClrMapping/>
+  </p:clrMapOvr>
+  <p:transition>
+    <p:fade/>
+  </p:transition>
+</p:sld>
+</file>
+
+<file path=ppt/slides/slide2.xml><?xml version="1.0" encoding="utf-8"?>
+<p:sld xmlns:a="http://schemas.openxmlformats.org/drawingml/2006/main" xmlns:r="http://schemas.openxmlformats.org/officeDocument/2006/relationships" xmlns:p="http://schemas.openxmlformats.org/presentationml/2006/main">
+  <p:cSld>
+    <p:bg>
+      <p:bgPr>
+        <a:solidFill>
+          <a:srgbClr val="007233"/>
+        </a:solidFill>
+        <a:effectLst/>
+      </p:bgPr>
+    </p:bg>
+    <p:spTree>
+      <p:nvGrpSpPr>
+        <p:cNvPr id="1" name=""/>
+        <p:cNvGrpSpPr/>
+        <p:nvPr/>
+      </p:nvGrpSpPr>
+      <p:grpSpPr>
+        <a:xfrm>
+          <a:off x="0" y="0"/>
+          <a:ext cx="0" cy="0"/>
+          <a:chOff x="0" y="0"/>
+          <a:chExt cx="0" cy="0"/>
+        </a:xfrm>
+      </p:grpSpPr>
+      <p:sp>
+        <p:nvSpPr>
+          <p:cNvPr id="3" name="Title 2"/>
+          <p:cNvSpPr>
+            <a:spLocks noGrp="1"/>
+          </p:cNvSpPr>
+          <p:nvPr>
+            <p:ph type="title"/>
+          </p:nvPr>
+        </p:nvSpPr>
+        <p:spPr/>
+        <p:txBody>
+          <a:bodyPr/>
+          <a:lstStyle/>
+          <a:p>
+            <a:r>
+              <a:rPr lang="da-DK" dirty="0">
+                <a:solidFill>
+                  <a:schemeClr val="bg1"/>
+                </a:solidFill>
+              </a:rPr>
+              <a:t>Agenda</a:t>
+            </a:r>
+          </a:p>
+        </p:txBody>
+      </p:sp>
+      <p:sp>
+        <p:nvSpPr>
+          <p:cNvPr id="4" name="Text Placeholder 3"/>
+          <p:cNvSpPr>
+            <a:spLocks noGrp="1"/>
+          </p:cNvSpPr>
+          <p:nvPr>
+            <p:ph type="body" sz="quarter" idx="10"/>
+          </p:nvPr>
+        </p:nvSpPr>
+        <p:spPr>
+          <a:xfrm>
+            <a:off x="274209" y="1212850"/>
+            <a:ext cx="8778240" cy="5558445"/>
+          </a:xfrm>
+        </p:spPr>
+        <p:txBody>
+          <a:bodyPr/>
+          <a:lstStyle/>
+          <a:p>
+            <a:r>
+              <a:rPr lang="en-US" dirty="0">
+                <a:solidFill>
+                  <a:schemeClr val="bg1"/>
+                </a:solidFill>
+              </a:rPr>
+              <a:t>Evaluations</a:t>
+            </a:r>
+          </a:p>
+          <a:p>
+            <a:r>
+              <a:rPr lang="en-US" dirty="0">
+                <a:solidFill>
+                  <a:schemeClr val="bg1"/>
+                </a:solidFill>
+              </a:rPr>
+              <a:t>Multithreading</a:t>
+            </a:r>
+          </a:p>
+          <a:p>
+            <a:r>
+              <a:rPr lang="en-US" dirty="0">
+                <a:solidFill>
+                  <a:schemeClr val="bg1"/>
+                </a:solidFill>
+              </a:rPr>
+              <a:t>Concurrency</a:t>
+            </a:r>
+          </a:p>
+          <a:p>
+            <a:r>
+              <a:rPr lang="en-US" dirty="0">
+                <a:solidFill>
+                  <a:schemeClr val="bg1"/>
+                </a:solidFill>
+              </a:rPr>
+              <a:t>Threads</a:t>
+            </a:r>
+          </a:p>
+          <a:p>
+            <a:r>
+              <a:rPr lang="en-US" dirty="0">
+                <a:solidFill>
+                  <a:schemeClr val="bg1"/>
+                </a:solidFill>
+              </a:rPr>
+              <a:t>Task Parallel Library</a:t>
+            </a:r>
+          </a:p>
+          <a:p>
+            <a:r>
+              <a:rPr lang="en-US" dirty="0">
+                <a:solidFill>
+                  <a:schemeClr val="bg1"/>
+                </a:solidFill>
+              </a:rPr>
+              <a:t>Asynchronous Programming</a:t>
+            </a:r>
+          </a:p>
+          <a:p>
+            <a:r>
+              <a:rPr lang="en-US" dirty="0">
+                <a:solidFill>
+                  <a:schemeClr val="bg1"/>
+                </a:solidFill>
+              </a:rPr>
+              <a:t>Async ≠ Parallel ≠ Threads</a:t>
+            </a:r>
+          </a:p>
+          <a:p>
+            <a:endParaRPr lang="en-US" dirty="0">
+              <a:solidFill>
+                <a:schemeClr val="bg1"/>
+              </a:solidFill>
+            </a:endParaRPr>
+          </a:p>
+          <a:p>
+            <a:endParaRPr lang="en-US" dirty="0">
+              <a:solidFill>
+                <a:schemeClr val="bg1"/>
+              </a:solidFill>
+            </a:endParaRPr>
+          </a:p>
+        </p:txBody>
+      </p:sp>
+    </p:spTree>
+    <p:extLst>
+      <p:ext uri="{BB962C8B-B14F-4D97-AF65-F5344CB8AC3E}">
+        <p14:creationId xmlns:p14="http://schemas.microsoft.com/office/powerpoint/2010/main" val="1116457128"/>
+      </p:ext>
+    </p:extLst>
+  </p:cSld>
+  <p:clrMapOvr>
+    <a:masterClrMapping/>
+  </p:clrMapOvr>
+  <p:transition>
+    <p:fade/>
+  </p:transition>
+</p:sld>
+</file>
+
+<file path=ppt/slides/slide20.xml><?xml version="1.0" encoding="utf-8"?>
+<p:sld xmlns:a="http://schemas.openxmlformats.org/drawingml/2006/main" xmlns:r="http://schemas.openxmlformats.org/officeDocument/2006/relationships" xmlns:p="http://schemas.openxmlformats.org/presentationml/2006/main">
+  <p:cSld>
+    <p:spTree>
+      <p:nvGrpSpPr>
+        <p:cNvPr id="1" name=""/>
+        <p:cNvGrpSpPr/>
+        <p:nvPr/>
+      </p:nvGrpSpPr>
+      <p:grpSpPr>
+        <a:xfrm>
+          <a:off x="0" y="0"/>
+          <a:ext cx="0" cy="0"/>
+          <a:chOff x="0" y="0"/>
+          <a:chExt cx="0" cy="0"/>
+        </a:xfrm>
+      </p:grpSpPr>
+      <p:sp>
+        <p:nvSpPr>
+          <p:cNvPr id="2" name="Title 1">
+            <a:extLst>
+              <a:ext uri="{FF2B5EF4-FFF2-40B4-BE49-F238E27FC236}">
+                <a16:creationId xmlns:a16="http://schemas.microsoft.com/office/drawing/2014/main" id="{52A1706D-9921-4533-89B8-54BC679B98FC}"/>
+              </a:ext>
+            </a:extLst>
+          </p:cNvPr>
+          <p:cNvSpPr>
+            <a:spLocks noGrp="1"/>
+          </p:cNvSpPr>
+          <p:nvPr>
+            <p:ph type="title"/>
+          </p:nvPr>
+        </p:nvSpPr>
+        <p:spPr/>
+        <p:txBody>
+          <a:bodyPr/>
+          <a:lstStyle/>
+          <a:p>
+            <a:r>
+              <a:rPr lang="da-DK" sz="6000" dirty="0"/>
+              <a:t>Async ≠ Parallel ≠ Threads</a:t>
+            </a:r>
+            <a:endParaRPr lang="en-DK" sz="6000" dirty="0"/>
+          </a:p>
+        </p:txBody>
+      </p:sp>
+      <p:sp>
+        <p:nvSpPr>
+          <p:cNvPr id="3" name="Speech Bubble: Rectangle 2">
+            <a:extLst>
+              <a:ext uri="{FF2B5EF4-FFF2-40B4-BE49-F238E27FC236}">
+                <a16:creationId xmlns:a16="http://schemas.microsoft.com/office/drawing/2014/main" id="{EE19202D-201D-4C8F-B26D-D313CE7F36F9}"/>
+              </a:ext>
+            </a:extLst>
+          </p:cNvPr>
+          <p:cNvSpPr/>
+          <p:nvPr/>
+        </p:nvSpPr>
+        <p:spPr bwMode="auto">
+          <a:xfrm>
+            <a:off x="639965" y="4228774"/>
+            <a:ext cx="3017487" cy="1280145"/>
+          </a:xfrm>
+          <a:prstGeom prst="wedgeRectCallout">
+            <a:avLst>
+              <a:gd name="adj1" fmla="val -22620"/>
+              <a:gd name="adj2" fmla="val -150159"/>
+            </a:avLst>
+          </a:prstGeom>
+          <a:solidFill>
+            <a:srgbClr val="68217A"/>
+          </a:solidFill>
+          <a:ln>
+            <a:noFill/>
+            <a:headEnd type="none" w="med" len="med"/>
+            <a:tailEnd type="none" w="med" len="med"/>
+          </a:ln>
+          <a:effectLst/>
+        </p:spPr>
+        <p:style>
+          <a:lnRef idx="1">
+            <a:schemeClr val="accent2"/>
+          </a:lnRef>
+          <a:fillRef idx="3">
+            <a:schemeClr val="accent2"/>
+          </a:fillRef>
+          <a:effectRef idx="2">
+            <a:schemeClr val="accent2"/>
+          </a:effectRef>
+          <a:fontRef idx="minor">
+            <a:schemeClr val="lt1"/>
+          </a:fontRef>
+        </p:style>
+        <p:txBody>
+          <a:bodyPr rot="0" spcFirstLastPara="0" vertOverflow="overflow" horzOverflow="overflow" vert="horz" wrap="square" lIns="182880" tIns="146304" rIns="182880" bIns="146304" numCol="1" spcCol="0" rtlCol="0" fromWordArt="0" anchor="t" anchorCtr="0" forceAA="0" compatLnSpc="1">
+            <a:prstTxWarp prst="textNoShape">
+              <a:avLst/>
+            </a:prstTxWarp>
+            <a:noAutofit/>
+          </a:bodyPr>
+          <a:lstStyle/>
+          <a:p>
+            <a:pPr algn="ctr" defTabSz="932472" fontAlgn="base">
+              <a:lnSpc>
+                <a:spcPct val="90000"/>
+              </a:lnSpc>
+              <a:spcBef>
+                <a:spcPct val="0"/>
+              </a:spcBef>
+              <a:spcAft>
+                <a:spcPct val="0"/>
+              </a:spcAft>
+            </a:pPr>
+            <a:r>
+              <a:rPr lang="da-DK" sz="2400" dirty="0">
+                <a:gradFill>
+                  <a:gsLst>
+                    <a:gs pos="0">
+                      <a:srgbClr val="FFFFFF"/>
+                    </a:gs>
+                    <a:gs pos="100000">
+                      <a:srgbClr val="FFFFFF"/>
+                    </a:gs>
+                  </a:gsLst>
+                  <a:lin ang="5400000" scaled="0"/>
+                </a:gradFill>
+                <a:ea typeface="Segoe UI" pitchFamily="34" charset="0"/>
+                <a:cs typeface="Segoe UI" pitchFamily="34" charset="0"/>
+              </a:rPr>
+              <a:t>Non-blocking UI, background tasks,</a:t>
+            </a:r>
+          </a:p>
+          <a:p>
+            <a:pPr algn="ctr" defTabSz="932472" fontAlgn="base">
+              <a:lnSpc>
+                <a:spcPct val="90000"/>
+              </a:lnSpc>
+              <a:spcBef>
+                <a:spcPct val="0"/>
+              </a:spcBef>
+              <a:spcAft>
+                <a:spcPct val="0"/>
+              </a:spcAft>
+            </a:pPr>
+            <a:r>
+              <a:rPr lang="da-DK" sz="2400" dirty="0">
+                <a:gradFill>
+                  <a:gsLst>
+                    <a:gs pos="0">
+                      <a:srgbClr val="FFFFFF"/>
+                    </a:gs>
+                    <a:gs pos="100000">
+                      <a:srgbClr val="FFFFFF"/>
+                    </a:gs>
+                  </a:gsLst>
+                  <a:lin ang="5400000" scaled="0"/>
+                </a:gradFill>
+                <a:ea typeface="Segoe UI" pitchFamily="34" charset="0"/>
+                <a:cs typeface="Segoe UI" pitchFamily="34" charset="0"/>
+              </a:rPr>
+              <a:t>asynchronous</a:t>
+            </a:r>
+            <a:endParaRPr lang="en-DK" sz="2400" dirty="0">
+              <a:gradFill>
+                <a:gsLst>
+                  <a:gs pos="0">
+                    <a:srgbClr val="FFFFFF"/>
+                  </a:gs>
+                  <a:gs pos="100000">
+                    <a:srgbClr val="FFFFFF"/>
+                  </a:gs>
+                </a:gsLst>
+                <a:lin ang="5400000" scaled="0"/>
+              </a:gradFill>
+              <a:ea typeface="Segoe UI" pitchFamily="34" charset="0"/>
+              <a:cs typeface="Segoe UI" pitchFamily="34" charset="0"/>
+            </a:endParaRPr>
+          </a:p>
+        </p:txBody>
+      </p:sp>
+      <p:sp>
+        <p:nvSpPr>
+          <p:cNvPr id="4" name="Speech Bubble: Rectangle 3">
+            <a:extLst>
+              <a:ext uri="{FF2B5EF4-FFF2-40B4-BE49-F238E27FC236}">
+                <a16:creationId xmlns:a16="http://schemas.microsoft.com/office/drawing/2014/main" id="{BAB4AF10-D9C3-4B2B-AB33-B33FEAFABF27}"/>
+              </a:ext>
+            </a:extLst>
+          </p:cNvPr>
+          <p:cNvSpPr/>
+          <p:nvPr/>
+        </p:nvSpPr>
+        <p:spPr bwMode="auto">
+          <a:xfrm>
+            <a:off x="3154537" y="205461"/>
+            <a:ext cx="3017487" cy="1280145"/>
+          </a:xfrm>
+          <a:prstGeom prst="wedgeRectCallout">
+            <a:avLst>
+              <a:gd name="adj1" fmla="val -12014"/>
+              <a:gd name="adj2" fmla="val 123257"/>
+            </a:avLst>
+          </a:prstGeom>
+          <a:solidFill>
+            <a:srgbClr val="007233"/>
+          </a:solidFill>
+          <a:ln>
+            <a:noFill/>
+            <a:headEnd type="none" w="med" len="med"/>
+            <a:tailEnd type="none" w="med" len="med"/>
+          </a:ln>
+          <a:effectLst/>
+        </p:spPr>
+        <p:style>
+          <a:lnRef idx="1">
+            <a:schemeClr val="accent2"/>
+          </a:lnRef>
+          <a:fillRef idx="3">
+            <a:schemeClr val="accent2"/>
+          </a:fillRef>
+          <a:effectRef idx="2">
+            <a:schemeClr val="accent2"/>
+          </a:effectRef>
+          <a:fontRef idx="minor">
+            <a:schemeClr val="lt1"/>
+          </a:fontRef>
+        </p:style>
+        <p:txBody>
+          <a:bodyPr rot="0" spcFirstLastPara="0" vertOverflow="overflow" horzOverflow="overflow" vert="horz" wrap="square" lIns="182880" tIns="146304" rIns="182880" bIns="146304" numCol="1" spcCol="0" rtlCol="0" fromWordArt="0" anchor="t" anchorCtr="0" forceAA="0" compatLnSpc="1">
+            <a:prstTxWarp prst="textNoShape">
+              <a:avLst/>
+            </a:prstTxWarp>
+            <a:noAutofit/>
+          </a:bodyPr>
+          <a:lstStyle/>
+          <a:p>
+            <a:pPr algn="ctr" defTabSz="932472" fontAlgn="base">
+              <a:lnSpc>
+                <a:spcPct val="90000"/>
+              </a:lnSpc>
+              <a:spcBef>
+                <a:spcPct val="0"/>
+              </a:spcBef>
+              <a:spcAft>
+                <a:spcPct val="0"/>
+              </a:spcAft>
+            </a:pPr>
+            <a:r>
+              <a:rPr lang="da-DK" sz="2400" dirty="0">
+                <a:gradFill>
+                  <a:gsLst>
+                    <a:gs pos="0">
+                      <a:srgbClr val="FFFFFF"/>
+                    </a:gs>
+                    <a:gs pos="100000">
+                      <a:srgbClr val="FFFFFF"/>
+                    </a:gs>
+                  </a:gsLst>
+                  <a:lin ang="5400000" scaled="0"/>
+                </a:gradFill>
+                <a:ea typeface="Segoe UI" pitchFamily="34" charset="0"/>
+                <a:cs typeface="Segoe UI" pitchFamily="34" charset="0"/>
+              </a:rPr>
+              <a:t>Speed</a:t>
+            </a:r>
+          </a:p>
+          <a:p>
+            <a:pPr algn="ctr" defTabSz="932472" fontAlgn="base">
+              <a:lnSpc>
+                <a:spcPct val="90000"/>
+              </a:lnSpc>
+              <a:spcBef>
+                <a:spcPct val="0"/>
+              </a:spcBef>
+              <a:spcAft>
+                <a:spcPct val="0"/>
+              </a:spcAft>
+            </a:pPr>
+            <a:r>
+              <a:rPr lang="da-DK" sz="2400" dirty="0">
+                <a:gradFill>
+                  <a:gsLst>
+                    <a:gs pos="0">
+                      <a:srgbClr val="FFFFFF"/>
+                    </a:gs>
+                    <a:gs pos="100000">
+                      <a:srgbClr val="FFFFFF"/>
+                    </a:gs>
+                  </a:gsLst>
+                  <a:lin ang="5400000" scaled="0"/>
+                </a:gradFill>
+                <a:ea typeface="Segoe UI" pitchFamily="34" charset="0"/>
+                <a:cs typeface="Segoe UI" pitchFamily="34" charset="0"/>
+              </a:rPr>
+              <a:t>Multiprocessor</a:t>
+            </a:r>
+          </a:p>
+          <a:p>
+            <a:pPr algn="ctr" defTabSz="932472" fontAlgn="base">
+              <a:lnSpc>
+                <a:spcPct val="90000"/>
+              </a:lnSpc>
+              <a:spcBef>
+                <a:spcPct val="0"/>
+              </a:spcBef>
+              <a:spcAft>
+                <a:spcPct val="0"/>
+              </a:spcAft>
+            </a:pPr>
+            <a:r>
+              <a:rPr lang="da-DK" sz="2400" dirty="0">
+                <a:gradFill>
+                  <a:gsLst>
+                    <a:gs pos="0">
+                      <a:srgbClr val="FFFFFF"/>
+                    </a:gs>
+                    <a:gs pos="100000">
+                      <a:srgbClr val="FFFFFF"/>
+                    </a:gs>
+                  </a:gsLst>
+                  <a:lin ang="5400000" scaled="0"/>
+                </a:gradFill>
+                <a:ea typeface="Segoe UI" pitchFamily="34" charset="0"/>
+                <a:cs typeface="Segoe UI" pitchFamily="34" charset="0"/>
+              </a:rPr>
+              <a:t>Parallel execution</a:t>
+            </a:r>
+            <a:endParaRPr lang="en-DK" sz="2400" dirty="0">
+              <a:gradFill>
+                <a:gsLst>
+                  <a:gs pos="0">
+                    <a:srgbClr val="FFFFFF"/>
+                  </a:gs>
+                  <a:gs pos="100000">
+                    <a:srgbClr val="FFFFFF"/>
+                  </a:gs>
+                </a:gsLst>
+                <a:lin ang="5400000" scaled="0"/>
+              </a:gradFill>
+              <a:ea typeface="Segoe UI" pitchFamily="34" charset="0"/>
+              <a:cs typeface="Segoe UI" pitchFamily="34" charset="0"/>
+            </a:endParaRPr>
+          </a:p>
+        </p:txBody>
+      </p:sp>
+      <p:sp>
+        <p:nvSpPr>
+          <p:cNvPr id="5" name="Speech Bubble: Rectangle 4">
+            <a:extLst>
+              <a:ext uri="{FF2B5EF4-FFF2-40B4-BE49-F238E27FC236}">
+                <a16:creationId xmlns:a16="http://schemas.microsoft.com/office/drawing/2014/main" id="{6C033FB9-896F-46FF-B84A-3111F0D6EB00}"/>
+              </a:ext>
+            </a:extLst>
+          </p:cNvPr>
+          <p:cNvSpPr/>
+          <p:nvPr/>
+        </p:nvSpPr>
+        <p:spPr bwMode="auto">
+          <a:xfrm>
+            <a:off x="5577671" y="3680140"/>
+            <a:ext cx="3017487" cy="1280145"/>
+          </a:xfrm>
+          <a:prstGeom prst="wedgeRectCallout">
+            <a:avLst>
+              <a:gd name="adj1" fmla="val 2296"/>
+              <a:gd name="adj2" fmla="val -107301"/>
+            </a:avLst>
+          </a:prstGeom>
+          <a:solidFill>
+            <a:srgbClr val="BA141A"/>
+          </a:solidFill>
+          <a:ln>
+            <a:noFill/>
+            <a:headEnd type="none" w="med" len="med"/>
+            <a:tailEnd type="none" w="med" len="med"/>
+          </a:ln>
+          <a:effectLst/>
+        </p:spPr>
+        <p:style>
+          <a:lnRef idx="1">
+            <a:schemeClr val="accent2"/>
+          </a:lnRef>
+          <a:fillRef idx="3">
+            <a:schemeClr val="accent2"/>
+          </a:fillRef>
+          <a:effectRef idx="2">
+            <a:schemeClr val="accent2"/>
+          </a:effectRef>
+          <a:fontRef idx="minor">
+            <a:schemeClr val="lt1"/>
+          </a:fontRef>
+        </p:style>
+        <p:txBody>
+          <a:bodyPr rot="0" spcFirstLastPara="0" vertOverflow="overflow" horzOverflow="overflow" vert="horz" wrap="square" lIns="182880" tIns="146304" rIns="182880" bIns="146304" numCol="1" spcCol="0" rtlCol="0" fromWordArt="0" anchor="t" anchorCtr="0" forceAA="0" compatLnSpc="1">
+            <a:prstTxWarp prst="textNoShape">
+              <a:avLst/>
+            </a:prstTxWarp>
+            <a:noAutofit/>
+          </a:bodyPr>
+          <a:lstStyle/>
+          <a:p>
+            <a:pPr algn="ctr" defTabSz="932472" fontAlgn="base">
+              <a:lnSpc>
+                <a:spcPct val="90000"/>
+              </a:lnSpc>
+              <a:spcBef>
+                <a:spcPct val="0"/>
+              </a:spcBef>
+              <a:spcAft>
+                <a:spcPct val="0"/>
+              </a:spcAft>
+            </a:pPr>
+            <a:r>
+              <a:rPr lang="da-DK" sz="2400" dirty="0">
+                <a:gradFill>
+                  <a:gsLst>
+                    <a:gs pos="0">
+                      <a:srgbClr val="FFFFFF"/>
+                    </a:gs>
+                    <a:gs pos="100000">
+                      <a:srgbClr val="FFFFFF"/>
+                    </a:gs>
+                  </a:gsLst>
+                  <a:lin ang="5400000" scaled="0"/>
+                </a:gradFill>
+                <a:ea typeface="Segoe UI" pitchFamily="34" charset="0"/>
+                <a:cs typeface="Segoe UI" pitchFamily="34" charset="0"/>
+              </a:rPr>
+              <a:t>Low-level building block</a:t>
+            </a:r>
+          </a:p>
+          <a:p>
+            <a:pPr algn="ctr" defTabSz="932472" fontAlgn="base">
+              <a:lnSpc>
+                <a:spcPct val="90000"/>
+              </a:lnSpc>
+              <a:spcBef>
+                <a:spcPct val="0"/>
+              </a:spcBef>
+              <a:spcAft>
+                <a:spcPct val="0"/>
+              </a:spcAft>
+            </a:pPr>
+            <a:r>
+              <a:rPr lang="da-DK" sz="2400" dirty="0">
+                <a:gradFill>
+                  <a:gsLst>
+                    <a:gs pos="0">
+                      <a:srgbClr val="FFFFFF"/>
+                    </a:gs>
+                    <a:gs pos="100000">
+                      <a:srgbClr val="FFFFFF"/>
+                    </a:gs>
+                  </a:gsLst>
+                  <a:lin ang="5400000" scaled="0"/>
+                </a:gradFill>
+                <a:ea typeface="Segoe UI" pitchFamily="34" charset="0"/>
+                <a:cs typeface="Segoe UI" pitchFamily="34" charset="0"/>
+              </a:rPr>
+              <a:t>Don’t use directly!</a:t>
+            </a:r>
+            <a:endParaRPr lang="en-DK" sz="2400" dirty="0">
+              <a:gradFill>
+                <a:gsLst>
+                  <a:gs pos="0">
+                    <a:srgbClr val="FFFFFF"/>
+                  </a:gs>
+                  <a:gs pos="100000">
+                    <a:srgbClr val="FFFFFF"/>
+                  </a:gs>
+                </a:gsLst>
+                <a:lin ang="5400000" scaled="0"/>
+              </a:gradFill>
+              <a:ea typeface="Segoe UI" pitchFamily="34" charset="0"/>
+              <a:cs typeface="Segoe UI" pitchFamily="34" charset="0"/>
+            </a:endParaRPr>
+          </a:p>
+        </p:txBody>
+      </p:sp>
+    </p:spTree>
+    <p:extLst>
+      <p:ext uri="{BB962C8B-B14F-4D97-AF65-F5344CB8AC3E}">
+        <p14:creationId xmlns:p14="http://schemas.microsoft.com/office/powerpoint/2010/main" val="3888321908"/>
+      </p:ext>
+    </p:extLst>
+  </p:cSld>
+  <p:clrMapOvr>
+    <a:masterClrMapping/>
+  </p:clrMapOvr>
+  <p:transition>
+    <p:fade/>
+  </p:transition>
+  <p:timing>
+    <p:tnLst>
+      <p:par>
+        <p:cTn id="1" dur="indefinite" restart="never" nodeType="tmRoot">
+          <p:childTnLst>
+            <p:seq concurrent="1" nextAc="seek">
+              <p:cTn id="2" dur="indefinite" nodeType="mainSeq">
+                <p:childTnLst>
+                  <p:par>
+                    <p:cTn id="3" fill="hold">
+                      <p:stCondLst>
+                        <p:cond delay="indefinite"/>
+                      </p:stCondLst>
+                      <p:childTnLst>
+                        <p:par>
+                          <p:cTn id="4" fill="hold">
+                            <p:stCondLst>
+                              <p:cond delay="0"/>
+                            </p:stCondLst>
+                            <p:childTnLst>
+                              <p:par>
+                                <p:cTn id="5" presetID="2" presetClass="entr" presetSubtype="4" fill="hold" grpId="0" nodeType="clickEffect">
+                                  <p:stCondLst>
+                                    <p:cond delay="0"/>
+                                  </p:stCondLst>
+                                  <p:childTnLst>
+                                    <p:set>
+                                      <p:cBhvr>
+                                        <p:cTn id="6" dur="1" fill="hold">
+                                          <p:stCondLst>
+                                            <p:cond delay="0"/>
+                                          </p:stCondLst>
+                                        </p:cTn>
+                                        <p:tgtEl>
+                                          <p:spTgt spid="3"/>
+                                        </p:tgtEl>
+                                        <p:attrNameLst>
+                                          <p:attrName>style.visibility</p:attrName>
+                                        </p:attrNameLst>
+                                      </p:cBhvr>
+                                      <p:to>
+                                        <p:strVal val="visible"/>
+                                      </p:to>
+                                    </p:set>
+                                    <p:anim calcmode="lin" valueType="num">
+                                      <p:cBhvr additive="base">
+                                        <p:cTn id="7" dur="500" fill="hold"/>
+                                        <p:tgtEl>
+                                          <p:spTgt spid="3"/>
+                                        </p:tgtEl>
+                                        <p:attrNameLst>
+                                          <p:attrName>ppt_x</p:attrName>
+                                        </p:attrNameLst>
+                                      </p:cBhvr>
+                                      <p:tavLst>
+                                        <p:tav tm="0">
+                                          <p:val>
+                                            <p:strVal val="#ppt_x"/>
+                                          </p:val>
+                                        </p:tav>
+                                        <p:tav tm="100000">
+                                          <p:val>
+                                            <p:strVal val="#ppt_x"/>
+                                          </p:val>
+                                        </p:tav>
+                                      </p:tavLst>
+                                    </p:anim>
+                                    <p:anim calcmode="lin" valueType="num">
+                                      <p:cBhvr additive="base">
+                                        <p:cTn id="8" dur="500" fill="hold"/>
+                                        <p:tgtEl>
+                                          <p:spTgt spid="3"/>
+                                        </p:tgtEl>
+                                        <p:attrNameLst>
+                                          <p:attrName>ppt_y</p:attrName>
+                                        </p:attrNameLst>
+                                      </p:cBhvr>
+                                      <p:tavLst>
+                                        <p:tav tm="0">
+                                          <p:val>
+                                            <p:strVal val="1+#ppt_h/2"/>
+                                          </p:val>
+                                        </p:tav>
+                                        <p:tav tm="100000">
+                                          <p:val>
+                                            <p:strVal val="#ppt_y"/>
+                                          </p:val>
+                                        </p:tav>
+                                      </p:tavLst>
+                                    </p:anim>
+                                  </p:childTnLst>
+                                </p:cTn>
+                              </p:par>
+                            </p:childTnLst>
+                          </p:cTn>
+                        </p:par>
+                      </p:childTnLst>
+                    </p:cTn>
+                  </p:par>
+                  <p:par>
+                    <p:cTn id="9" fill="hold">
+                      <p:stCondLst>
+                        <p:cond delay="indefinite"/>
+                      </p:stCondLst>
+                      <p:childTnLst>
+                        <p:par>
+                          <p:cTn id="10" fill="hold">
+                            <p:stCondLst>
+                              <p:cond delay="0"/>
+                            </p:stCondLst>
+                            <p:childTnLst>
+                              <p:par>
+                                <p:cTn id="11" presetID="2" presetClass="entr" presetSubtype="4" fill="hold" grpId="0" nodeType="clickEffect">
+                                  <p:stCondLst>
+                                    <p:cond delay="0"/>
+                                  </p:stCondLst>
+                                  <p:childTnLst>
+                                    <p:set>
+                                      <p:cBhvr>
+                                        <p:cTn id="12" dur="1" fill="hold">
+                                          <p:stCondLst>
+                                            <p:cond delay="0"/>
+                                          </p:stCondLst>
+                                        </p:cTn>
+                                        <p:tgtEl>
+                                          <p:spTgt spid="4"/>
+                                        </p:tgtEl>
+                                        <p:attrNameLst>
+                                          <p:attrName>style.visibility</p:attrName>
+                                        </p:attrNameLst>
+                                      </p:cBhvr>
+                                      <p:to>
+                                        <p:strVal val="visible"/>
+                                      </p:to>
+                                    </p:set>
+                                    <p:anim calcmode="lin" valueType="num">
+                                      <p:cBhvr additive="base">
+                                        <p:cTn id="13" dur="500" fill="hold"/>
+                                        <p:tgtEl>
+                                          <p:spTgt spid="4"/>
+                                        </p:tgtEl>
+                                        <p:attrNameLst>
+                                          <p:attrName>ppt_x</p:attrName>
+                                        </p:attrNameLst>
+                                      </p:cBhvr>
+                                      <p:tavLst>
+                                        <p:tav tm="0">
+                                          <p:val>
+                                            <p:strVal val="#ppt_x"/>
+                                          </p:val>
+                                        </p:tav>
+                                        <p:tav tm="100000">
+                                          <p:val>
+                                            <p:strVal val="#ppt_x"/>
+                                          </p:val>
+                                        </p:tav>
+                                      </p:tavLst>
+                                    </p:anim>
+                                    <p:anim calcmode="lin" valueType="num">
+                                      <p:cBhvr additive="base">
+                                        <p:cTn id="14" dur="500" fill="hold"/>
+                                        <p:tgtEl>
+                                          <p:spTgt spid="4"/>
+                                        </p:tgtEl>
+                                        <p:attrNameLst>
+                                          <p:attrName>ppt_y</p:attrName>
+                                        </p:attrNameLst>
+                                      </p:cBhvr>
+                                      <p:tavLst>
+                                        <p:tav tm="0">
+                                          <p:val>
+                                            <p:strVal val="1+#ppt_h/2"/>
+                                          </p:val>
+                                        </p:tav>
+                                        <p:tav tm="100000">
+                                          <p:val>
+                                            <p:strVal val="#ppt_y"/>
+                                          </p:val>
+                                        </p:tav>
+                                      </p:tavLst>
+                                    </p:anim>
+                                  </p:childTnLst>
+                                </p:cTn>
+                              </p:par>
+                            </p:childTnLst>
+                          </p:cTn>
+                        </p:par>
+                      </p:childTnLst>
+                    </p:cTn>
+                  </p:par>
+                  <p:par>
+                    <p:cTn id="15" fill="hold">
+                      <p:stCondLst>
+                        <p:cond delay="indefinite"/>
+                      </p:stCondLst>
+                      <p:childTnLst>
+                        <p:par>
+                          <p:cTn id="16" fill="hold">
+                            <p:stCondLst>
+                              <p:cond delay="0"/>
+                            </p:stCondLst>
+                            <p:childTnLst>
+                              <p:par>
+                                <p:cTn id="17" presetID="2" presetClass="entr" presetSubtype="4" fill="hold" grpId="0" nodeType="clickEffect">
+                                  <p:stCondLst>
+                                    <p:cond delay="0"/>
+                                  </p:stCondLst>
+                                  <p:childTnLst>
+                                    <p:set>
+                                      <p:cBhvr>
+                                        <p:cTn id="18" dur="1" fill="hold">
+                                          <p:stCondLst>
+                                            <p:cond delay="0"/>
+                                          </p:stCondLst>
+                                        </p:cTn>
+                                        <p:tgtEl>
+                                          <p:spTgt spid="5"/>
+                                        </p:tgtEl>
+                                        <p:attrNameLst>
+                                          <p:attrName>style.visibility</p:attrName>
+                                        </p:attrNameLst>
+                                      </p:cBhvr>
+                                      <p:to>
+                                        <p:strVal val="visible"/>
+                                      </p:to>
+                                    </p:set>
+                                    <p:anim calcmode="lin" valueType="num">
+                                      <p:cBhvr additive="base">
+                                        <p:cTn id="19" dur="500" fill="hold"/>
+                                        <p:tgtEl>
+                                          <p:spTgt spid="5"/>
+                                        </p:tgtEl>
+                                        <p:attrNameLst>
+                                          <p:attrName>ppt_x</p:attrName>
+                                        </p:attrNameLst>
+                                      </p:cBhvr>
+                                      <p:tavLst>
+                                        <p:tav tm="0">
+                                          <p:val>
+                                            <p:strVal val="#ppt_x"/>
+                                          </p:val>
+                                        </p:tav>
+                                        <p:tav tm="100000">
+                                          <p:val>
+                                            <p:strVal val="#ppt_x"/>
+                                          </p:val>
+                                        </p:tav>
+                                      </p:tavLst>
+                                    </p:anim>
+                                    <p:anim calcmode="lin" valueType="num">
+                                      <p:cBhvr additive="base">
+                                        <p:cTn id="20" dur="500" fill="hold"/>
+                                        <p:tgtEl>
+                                          <p:spTgt spid="5"/>
+                                        </p:tgtEl>
+                                        <p:attrNameLst>
+                                          <p:attrName>ppt_y</p:attrName>
+                                        </p:attrNameLst>
+                                      </p:cBhvr>
+                                      <p:tavLst>
+                                        <p:tav tm="0">
+                                          <p:val>
+                                            <p:strVal val="1+#ppt_h/2"/>
+                                          </p:val>
+                                        </p:tav>
+                                        <p:tav tm="100000">
+                                          <p:val>
+                                            <p:strVal val="#ppt_y"/>
+                                          </p:val>
+                                        </p:tav>
+                                      </p:tavLst>
+                                    </p:anim>
+                                  </p:childTnLst>
+                                </p:cTn>
+                              </p:par>
+                            </p:childTnLst>
+                          </p:cTn>
+                        </p:par>
+                      </p:childTnLst>
+                    </p:cTn>
+                  </p:par>
+                </p:childTnLst>
+              </p:cTn>
+              <p:prevCondLst>
+                <p:cond evt="onPrev" delay="0">
+                  <p:tgtEl>
+                    <p:sldTgt/>
+                  </p:tgtEl>
+                </p:cond>
+              </p:prevCondLst>
+              <p:nextCondLst>
+                <p:cond evt="onNext" delay="0">
+                  <p:tgtEl>
+                    <p:sldTgt/>
+                  </p:tgtEl>
+                </p:cond>
+              </p:nextCondLst>
+            </p:seq>
+          </p:childTnLst>
+        </p:cTn>
+      </p:par>
+    </p:tnLst>
+    <p:bldLst>
+      <p:bldP spid="3" grpId="0" animBg="1"/>
+      <p:bldP spid="4" grpId="0" animBg="1"/>
+      <p:bldP spid="5" grpId="0" animBg="1"/>
+    </p:bldLst>
+  </p:timing>
+</p:sld>
+</file>
+
+<file path=ppt/slides/slide3.xml><?xml version="1.0" encoding="utf-8"?>
+<p:sld xmlns:a="http://schemas.openxmlformats.org/drawingml/2006/main" xmlns:r="http://schemas.openxmlformats.org/officeDocument/2006/relationships" xmlns:p="http://schemas.openxmlformats.org/presentationml/2006/main">
+  <p:cSld>
+    <p:spTree>
+      <p:nvGrpSpPr>
+        <p:cNvPr id="1" name=""/>
+        <p:cNvGrpSpPr/>
+        <p:nvPr/>
+      </p:nvGrpSpPr>
+      <p:grpSpPr>
+        <a:xfrm>
+          <a:off x="0" y="0"/>
+          <a:ext cx="0" cy="0"/>
+          <a:chOff x="0" y="0"/>
+          <a:chExt cx="0" cy="0"/>
+        </a:xfrm>
+      </p:grpSpPr>
+      <p:sp>
+        <p:nvSpPr>
+          <p:cNvPr id="4" name="Title 2">
+            <a:extLst>
+              <a:ext uri="{FF2B5EF4-FFF2-40B4-BE49-F238E27FC236}">
+                <a16:creationId xmlns:a16="http://schemas.microsoft.com/office/drawing/2014/main" id="{1E930240-6F1F-405D-A44D-A509164A1C95}"/>
+              </a:ext>
+            </a:extLst>
+          </p:cNvPr>
+          <p:cNvSpPr txBox="1">
+            <a:spLocks/>
+          </p:cNvSpPr>
+          <p:nvPr/>
+        </p:nvSpPr>
+        <p:spPr>
+          <a:xfrm>
+            <a:off x="273050" y="295275"/>
+            <a:ext cx="8778875" cy="917575"/>
+          </a:xfrm>
+          <a:prstGeom prst="rect">
+            <a:avLst/>
+          </a:prstGeom>
+        </p:spPr>
+        <p:txBody>
+          <a:bodyPr/>
+          <a:lstStyle>
+            <a:lvl1pPr algn="l" defTabSz="932742" rtl="0" eaLnBrk="1" latinLnBrk="0" hangingPunct="1">
+              <a:lnSpc>
+                <a:spcPct val="90000"/>
+              </a:lnSpc>
+              <a:spcBef>
+                <a:spcPct val="0"/>
+              </a:spcBef>
+              <a:buNone/>
+              <a:defRPr lang="en-US" sz="4800" b="0" kern="1200" cap="none" spc="-102" baseline="0" dirty="0" smtClean="0">
+                <a:ln w="3175">
+                  <a:noFill/>
+                </a:ln>
+                <a:gradFill>
+                  <a:gsLst>
+                    <a:gs pos="1250">
+                      <a:schemeClr val="tx1"/>
+                    </a:gs>
+                    <a:gs pos="100000">
+                      <a:schemeClr val="tx1"/>
+                    </a:gs>
+                  </a:gsLst>
+                  <a:lin ang="5400000" scaled="0"/>
+                </a:gradFill>
+                <a:effectLst/>
+                <a:latin typeface="+mj-lt"/>
+                <a:ea typeface="+mn-ea"/>
+                <a:cs typeface="Segoe UI" pitchFamily="34" charset="0"/>
+              </a:defRPr>
+            </a:lvl1pPr>
+          </a:lstStyle>
+          <a:p>
+            <a:r>
+              <a:rPr lang="da-DK" dirty="0">
+                <a:solidFill>
+                  <a:schemeClr val="tx1"/>
+                </a:solidFill>
+              </a:rPr>
+              <a:t>Evaluation</a:t>
+            </a:r>
+          </a:p>
+        </p:txBody>
+      </p:sp>
+      <p:sp>
+        <p:nvSpPr>
+          <p:cNvPr id="5" name="Text Placeholder 3">
+            <a:extLst>
+              <a:ext uri="{FF2B5EF4-FFF2-40B4-BE49-F238E27FC236}">
+                <a16:creationId xmlns:a16="http://schemas.microsoft.com/office/drawing/2014/main" id="{2DA8082B-B58C-4ACC-A4B0-945FD1C0E834}"/>
+              </a:ext>
+            </a:extLst>
+          </p:cNvPr>
+          <p:cNvSpPr txBox="1">
+            <a:spLocks/>
+          </p:cNvSpPr>
+          <p:nvPr/>
+        </p:nvSpPr>
+        <p:spPr>
+          <a:xfrm>
+            <a:off x="274209" y="1212850"/>
+            <a:ext cx="8778240" cy="4949047"/>
+          </a:xfrm>
+          <a:prstGeom prst="rect">
+            <a:avLst/>
+          </a:prstGeom>
+        </p:spPr>
+        <p:txBody>
+          <a:bodyPr/>
+          <a:lstStyle>
+            <a:lvl1pPr marL="342900" marR="0" indent="-342900" algn="l" defTabSz="932742" rtl="0" eaLnBrk="1" fontAlgn="auto" latinLnBrk="0" hangingPunct="1">
+              <a:lnSpc>
+                <a:spcPct val="90000"/>
+              </a:lnSpc>
+              <a:spcBef>
+                <a:spcPct val="20000"/>
+              </a:spcBef>
+              <a:spcAft>
+                <a:spcPts val="0"/>
+              </a:spcAft>
+              <a:buClrTx/>
+              <a:buSzPct val="90000"/>
+              <a:buFont typeface="Arial" pitchFamily="34" charset="0"/>
+              <a:buChar char="•"/>
+              <a:tabLst/>
+              <a:defRPr sz="3600" kern="1200" spc="0" baseline="0">
+                <a:gradFill>
+                  <a:gsLst>
+                    <a:gs pos="1250">
+                      <a:schemeClr val="tx1"/>
+                    </a:gs>
+                    <a:gs pos="99000">
+                      <a:schemeClr val="tx1"/>
+                    </a:gs>
+                  </a:gsLst>
+                  <a:lin ang="5400000" scaled="0"/>
+                </a:gradFill>
+                <a:latin typeface="+mj-lt"/>
+                <a:ea typeface="+mn-ea"/>
+                <a:cs typeface="+mn-cs"/>
+              </a:defRPr>
+            </a:lvl1pPr>
+            <a:lvl2pPr marL="584200" marR="0" indent="-241300" algn="l" defTabSz="932742" rtl="0" eaLnBrk="1" fontAlgn="auto" latinLnBrk="0" hangingPunct="1">
+              <a:lnSpc>
+                <a:spcPct val="90000"/>
+              </a:lnSpc>
+              <a:spcBef>
+                <a:spcPct val="20000"/>
+              </a:spcBef>
+              <a:spcAft>
+                <a:spcPts val="0"/>
+              </a:spcAft>
+              <a:buClrTx/>
+              <a:buSzPct val="90000"/>
+              <a:buFont typeface="Arial" pitchFamily="34" charset="0"/>
+              <a:buChar char="•"/>
+              <a:tabLst/>
+              <a:defRPr sz="2400" kern="1200" spc="0" baseline="0">
+                <a:gradFill>
+                  <a:gsLst>
+                    <a:gs pos="1250">
+                      <a:schemeClr val="tx1"/>
+                    </a:gs>
+                    <a:gs pos="99000">
+                      <a:schemeClr val="tx1"/>
+                    </a:gs>
+                  </a:gsLst>
+                  <a:lin ang="5400000" scaled="0"/>
+                </a:gradFill>
+                <a:latin typeface="+mn-lt"/>
+                <a:ea typeface="+mn-ea"/>
+                <a:cs typeface="+mn-cs"/>
+              </a:defRPr>
+            </a:lvl2pPr>
+            <a:lvl3pPr marL="800100" marR="0" indent="-228600" algn="l" defTabSz="932742" rtl="0" eaLnBrk="1" fontAlgn="auto" latinLnBrk="0" hangingPunct="1">
+              <a:lnSpc>
+                <a:spcPct val="90000"/>
+              </a:lnSpc>
+              <a:spcBef>
+                <a:spcPct val="20000"/>
+              </a:spcBef>
+              <a:spcAft>
+                <a:spcPts val="0"/>
+              </a:spcAft>
+              <a:buClrTx/>
+              <a:buSzPct val="90000"/>
+              <a:buFont typeface="Arial" pitchFamily="34" charset="0"/>
+              <a:buChar char="•"/>
+              <a:tabLst/>
+              <a:defRPr sz="2000" kern="1200" spc="0" baseline="0">
+                <a:gradFill>
+                  <a:gsLst>
+                    <a:gs pos="1250">
+                      <a:schemeClr val="tx1"/>
+                    </a:gs>
+                    <a:gs pos="99000">
+                      <a:schemeClr val="tx1"/>
+                    </a:gs>
+                  </a:gsLst>
+                  <a:lin ang="5400000" scaled="0"/>
+                </a:gradFill>
+                <a:latin typeface="+mn-lt"/>
+                <a:ea typeface="+mn-ea"/>
+                <a:cs typeface="+mn-cs"/>
+              </a:defRPr>
+            </a:lvl3pPr>
+            <a:lvl4pPr marL="1028700" marR="0" indent="-228600" algn="l" defTabSz="932742" rtl="0" eaLnBrk="1" fontAlgn="auto" latinLnBrk="0" hangingPunct="1">
+              <a:lnSpc>
+                <a:spcPct val="90000"/>
+              </a:lnSpc>
+              <a:spcBef>
+                <a:spcPct val="20000"/>
+              </a:spcBef>
+              <a:spcAft>
+                <a:spcPts val="0"/>
+              </a:spcAft>
+              <a:buClrTx/>
+              <a:buSzPct val="90000"/>
+              <a:buFont typeface="Arial" pitchFamily="34" charset="0"/>
+              <a:buChar char="•"/>
+              <a:tabLst/>
+              <a:defRPr sz="1800" kern="1200" spc="0" baseline="0">
+                <a:gradFill>
+                  <a:gsLst>
+                    <a:gs pos="1250">
+                      <a:schemeClr val="tx1"/>
+                    </a:gs>
+                    <a:gs pos="99000">
+                      <a:schemeClr val="tx1"/>
+                    </a:gs>
+                  </a:gsLst>
+                  <a:lin ang="5400000" scaled="0"/>
+                </a:gradFill>
+                <a:latin typeface="+mn-lt"/>
+                <a:ea typeface="+mn-ea"/>
+                <a:cs typeface="+mn-cs"/>
+              </a:defRPr>
+            </a:lvl4pPr>
+            <a:lvl5pPr marL="1257300" marR="0" indent="-228600" algn="l" defTabSz="932742" rtl="0" eaLnBrk="1" fontAlgn="auto" latinLnBrk="0" hangingPunct="1">
+              <a:lnSpc>
+                <a:spcPct val="90000"/>
+              </a:lnSpc>
+              <a:spcBef>
+                <a:spcPct val="20000"/>
+              </a:spcBef>
+              <a:spcAft>
+                <a:spcPts val="0"/>
+              </a:spcAft>
+              <a:buClrTx/>
+              <a:buSzPct val="90000"/>
+              <a:buFont typeface="Arial" pitchFamily="34" charset="0"/>
+              <a:buChar char="•"/>
+              <a:tabLst/>
+              <a:defRPr sz="1800" kern="1200" spc="0" baseline="0">
+                <a:gradFill>
+                  <a:gsLst>
+                    <a:gs pos="1250">
+                      <a:schemeClr val="tx1"/>
+                    </a:gs>
+                    <a:gs pos="99000">
+                      <a:schemeClr val="tx1"/>
+                    </a:gs>
+                  </a:gsLst>
+                  <a:lin ang="5400000" scaled="0"/>
+                </a:gradFill>
+                <a:latin typeface="+mn-lt"/>
+                <a:ea typeface="+mn-ea"/>
+                <a:cs typeface="+mn-cs"/>
+              </a:defRPr>
+            </a:lvl5pPr>
+            <a:lvl6pPr marL="2565040" indent="-233186" algn="l" defTabSz="932742" rtl="0" eaLnBrk="1" latinLnBrk="0" hangingPunct="1">
+              <a:spcBef>
+                <a:spcPct val="20000"/>
+              </a:spcBef>
+              <a:buFont typeface="Arial" pitchFamily="34" charset="0"/>
+              <a:buChar char="•"/>
+              <a:defRPr sz="2000" kern="1200">
+                <a:solidFill>
+                  <a:schemeClr val="tx1"/>
+                </a:solidFill>
+                <a:latin typeface="+mn-lt"/>
+                <a:ea typeface="+mn-ea"/>
+                <a:cs typeface="+mn-cs"/>
+              </a:defRPr>
+            </a:lvl6pPr>
+            <a:lvl7pPr marL="3031412" indent="-233186" algn="l" defTabSz="932742" rtl="0" eaLnBrk="1" latinLnBrk="0" hangingPunct="1">
+              <a:spcBef>
+                <a:spcPct val="20000"/>
+              </a:spcBef>
+              <a:buFont typeface="Arial" pitchFamily="34" charset="0"/>
+              <a:buChar char="•"/>
+              <a:defRPr sz="2000" kern="1200">
+                <a:solidFill>
+                  <a:schemeClr val="tx1"/>
+                </a:solidFill>
+                <a:latin typeface="+mn-lt"/>
+                <a:ea typeface="+mn-ea"/>
+                <a:cs typeface="+mn-cs"/>
+              </a:defRPr>
+            </a:lvl7pPr>
+            <a:lvl8pPr marL="3497783" indent="-233186" algn="l" defTabSz="932742" rtl="0" eaLnBrk="1" latinLnBrk="0" hangingPunct="1">
+              <a:spcBef>
+                <a:spcPct val="20000"/>
+              </a:spcBef>
+              <a:buFont typeface="Arial" pitchFamily="34" charset="0"/>
+              <a:buChar char="•"/>
+              <a:defRPr sz="2000" kern="1200">
+                <a:solidFill>
+                  <a:schemeClr val="tx1"/>
+                </a:solidFill>
+                <a:latin typeface="+mn-lt"/>
+                <a:ea typeface="+mn-ea"/>
+                <a:cs typeface="+mn-cs"/>
+              </a:defRPr>
+            </a:lvl8pPr>
+            <a:lvl9pPr marL="3964155" indent="-233186" algn="l" defTabSz="932742" rtl="0" eaLnBrk="1" latinLnBrk="0" hangingPunct="1">
+              <a:spcBef>
+                <a:spcPct val="20000"/>
+              </a:spcBef>
+              <a:buFont typeface="Arial" pitchFamily="34" charset="0"/>
+              <a:buChar char="•"/>
+              <a:defRPr sz="2000" kern="1200">
+                <a:solidFill>
+                  <a:schemeClr val="tx1"/>
+                </a:solidFill>
+                <a:latin typeface="+mn-lt"/>
+                <a:ea typeface="+mn-ea"/>
+                <a:cs typeface="+mn-cs"/>
+              </a:defRPr>
+            </a:lvl9pPr>
+          </a:lstStyle>
+          <a:p>
+            <a:pPr marL="0" indent="0">
+              <a:buNone/>
+            </a:pPr>
+            <a:r>
+              <a:rPr lang="en-US" dirty="0">
+                <a:solidFill>
+                  <a:schemeClr val="tx1"/>
+                </a:solidFill>
+              </a:rPr>
+              <a:t>Exercises</a:t>
+            </a:r>
+          </a:p>
+          <a:p>
+            <a:pPr marL="0" indent="0">
+              <a:buNone/>
+            </a:pPr>
+            <a:r>
+              <a:rPr lang="en-US" dirty="0">
+                <a:solidFill>
+                  <a:schemeClr val="tx1"/>
+                </a:solidFill>
+              </a:rPr>
+              <a:t>Workload</a:t>
+            </a:r>
+          </a:p>
+          <a:p>
+            <a:pPr marL="0" indent="0">
+              <a:buNone/>
+            </a:pPr>
+            <a:r>
+              <a:rPr lang="en-US" dirty="0">
+                <a:solidFill>
+                  <a:schemeClr val="tx1"/>
+                </a:solidFill>
+              </a:rPr>
+              <a:t>Fall break</a:t>
+            </a:r>
+          </a:p>
+        </p:txBody>
+      </p:sp>
+    </p:spTree>
+    <p:extLst>
+      <p:ext uri="{BB962C8B-B14F-4D97-AF65-F5344CB8AC3E}">
+        <p14:creationId xmlns:p14="http://schemas.microsoft.com/office/powerpoint/2010/main" val="4018917233"/>
+      </p:ext>
+    </p:extLst>
+  </p:cSld>
+  <p:clrMapOvr>
+    <a:masterClrMapping/>
+  </p:clrMapOvr>
+  <p:transition>
+    <p:fade/>
+  </p:transition>
+</p:sld>
+</file>
+
+<file path=ppt/slides/slide4.xml><?xml version="1.0" encoding="utf-8"?>
+<p:sld xmlns:a="http://schemas.openxmlformats.org/drawingml/2006/main" xmlns:r="http://schemas.openxmlformats.org/officeDocument/2006/relationships" xmlns:p="http://schemas.openxmlformats.org/presentationml/2006/main">
+  <p:cSld>
+    <p:spTree>
+      <p:nvGrpSpPr>
+        <p:cNvPr id="1" name=""/>
+        <p:cNvGrpSpPr/>
+        <p:nvPr/>
+      </p:nvGrpSpPr>
+      <p:grpSpPr>
+        <a:xfrm>
+          <a:off x="0" y="0"/>
+          <a:ext cx="0" cy="0"/>
+          <a:chOff x="0" y="0"/>
+          <a:chExt cx="0" cy="0"/>
+        </a:xfrm>
+      </p:grpSpPr>
+      <p:sp>
+        <p:nvSpPr>
+          <p:cNvPr id="2" name="Titel 1"/>
+          <p:cNvSpPr txBox="1">
+            <a:spLocks/>
+          </p:cNvSpPr>
+          <p:nvPr/>
+        </p:nvSpPr>
+        <p:spPr>
+          <a:xfrm>
+            <a:off x="273844" y="295275"/>
+            <a:ext cx="8778875" cy="917575"/>
+          </a:xfrm>
+          <a:prstGeom prst="rect">
+            <a:avLst/>
+          </a:prstGeom>
+        </p:spPr>
+        <p:txBody>
+          <a:bodyPr vert="horz" wrap="square" lIns="146304" tIns="91440" rIns="146304" bIns="91440" rtlCol="0" anchor="t">
+            <a:noAutofit/>
+          </a:bodyPr>
+          <a:lstStyle>
+            <a:lvl1pPr algn="l" defTabSz="932742" rtl="0" eaLnBrk="1" latinLnBrk="0" hangingPunct="1">
+              <a:lnSpc>
+                <a:spcPct val="90000"/>
+              </a:lnSpc>
+              <a:spcBef>
+                <a:spcPct val="0"/>
+              </a:spcBef>
+              <a:buNone/>
+              <a:defRPr lang="en-US" sz="4800" b="0" kern="1200" cap="none" spc="-102" baseline="0" dirty="0" smtClean="0">
+                <a:ln w="3175">
+                  <a:noFill/>
+                </a:ln>
+                <a:gradFill>
+                  <a:gsLst>
+                    <a:gs pos="1250">
+                      <a:schemeClr val="tx1"/>
+                    </a:gs>
+                    <a:gs pos="100000">
+                      <a:schemeClr val="tx1"/>
+                    </a:gs>
+                  </a:gsLst>
+                  <a:lin ang="5400000" scaled="0"/>
+                </a:gradFill>
+                <a:effectLst/>
+                <a:latin typeface="+mj-lt"/>
+                <a:ea typeface="+mn-ea"/>
+                <a:cs typeface="Segoe UI" pitchFamily="34" charset="0"/>
+              </a:defRPr>
+            </a:lvl1pPr>
+          </a:lstStyle>
+          <a:p>
+            <a:r>
+              <a:rPr lang="en-US" dirty="0"/>
+              <a:t>Multithreading</a:t>
+            </a:r>
+          </a:p>
+        </p:txBody>
+      </p:sp>
+      <p:sp>
+        <p:nvSpPr>
+          <p:cNvPr id="3" name="Pladsholder til indhold 2"/>
+          <p:cNvSpPr txBox="1">
+            <a:spLocks/>
+          </p:cNvSpPr>
+          <p:nvPr/>
+        </p:nvSpPr>
+        <p:spPr>
+          <a:xfrm>
+            <a:off x="273844" y="1212850"/>
+            <a:ext cx="8778875" cy="4021753"/>
+          </a:xfrm>
+          <a:prstGeom prst="rect">
+            <a:avLst/>
+          </a:prstGeom>
+        </p:spPr>
+        <p:txBody>
+          <a:bodyPr vert="horz" wrap="square" lIns="146304" tIns="91440" rIns="146304" bIns="91440" rtlCol="0">
+            <a:normAutofit/>
+          </a:bodyPr>
+          <a:lstStyle>
+            <a:lvl1pPr marL="342900" marR="0" indent="-342900" algn="l" defTabSz="932742" rtl="0" eaLnBrk="1" fontAlgn="auto" latinLnBrk="0" hangingPunct="1">
+              <a:lnSpc>
+                <a:spcPct val="90000"/>
+              </a:lnSpc>
+              <a:spcBef>
+                <a:spcPct val="20000"/>
+              </a:spcBef>
+              <a:spcAft>
+                <a:spcPts val="0"/>
+              </a:spcAft>
+              <a:buClrTx/>
+              <a:buSzPct val="90000"/>
+              <a:buFont typeface="Arial" pitchFamily="34" charset="0"/>
+              <a:buChar char="•"/>
+              <a:tabLst/>
+              <a:defRPr sz="3600" kern="1200" spc="0" baseline="0">
+                <a:gradFill>
+                  <a:gsLst>
+                    <a:gs pos="1250">
+                      <a:schemeClr val="tx1"/>
+                    </a:gs>
+                    <a:gs pos="99000">
+                      <a:schemeClr val="tx1"/>
+                    </a:gs>
+                  </a:gsLst>
+                  <a:lin ang="5400000" scaled="0"/>
+                </a:gradFill>
+                <a:latin typeface="+mj-lt"/>
+                <a:ea typeface="+mn-ea"/>
+                <a:cs typeface="+mn-cs"/>
+              </a:defRPr>
+            </a:lvl1pPr>
+            <a:lvl2pPr marL="584200" marR="0" indent="-241300" algn="l" defTabSz="932742" rtl="0" eaLnBrk="1" fontAlgn="auto" latinLnBrk="0" hangingPunct="1">
+              <a:lnSpc>
+                <a:spcPct val="90000"/>
+              </a:lnSpc>
+              <a:spcBef>
+                <a:spcPct val="20000"/>
+              </a:spcBef>
+              <a:spcAft>
+                <a:spcPts val="0"/>
+              </a:spcAft>
+              <a:buClrTx/>
+              <a:buSzPct val="90000"/>
+              <a:buFont typeface="Arial" pitchFamily="34" charset="0"/>
+              <a:buChar char="•"/>
+              <a:tabLst/>
+              <a:defRPr sz="2400" kern="1200" spc="0" baseline="0">
+                <a:gradFill>
+                  <a:gsLst>
+                    <a:gs pos="1250">
+                      <a:schemeClr val="tx1"/>
+                    </a:gs>
+                    <a:gs pos="99000">
+                      <a:schemeClr val="tx1"/>
+                    </a:gs>
+                  </a:gsLst>
+                  <a:lin ang="5400000" scaled="0"/>
+                </a:gradFill>
+                <a:latin typeface="+mn-lt"/>
+                <a:ea typeface="+mn-ea"/>
+                <a:cs typeface="+mn-cs"/>
+              </a:defRPr>
+            </a:lvl2pPr>
+            <a:lvl3pPr marL="800100" marR="0" indent="-228600" algn="l" defTabSz="932742" rtl="0" eaLnBrk="1" fontAlgn="auto" latinLnBrk="0" hangingPunct="1">
+              <a:lnSpc>
+                <a:spcPct val="90000"/>
+              </a:lnSpc>
+              <a:spcBef>
+                <a:spcPct val="20000"/>
+              </a:spcBef>
+              <a:spcAft>
+                <a:spcPts val="0"/>
+              </a:spcAft>
+              <a:buClrTx/>
+              <a:buSzPct val="90000"/>
+              <a:buFont typeface="Arial" pitchFamily="34" charset="0"/>
+              <a:buChar char="•"/>
+              <a:tabLst/>
+              <a:defRPr sz="2000" kern="1200" spc="0" baseline="0">
+                <a:gradFill>
+                  <a:gsLst>
+                    <a:gs pos="1250">
+                      <a:schemeClr val="tx1"/>
+                    </a:gs>
+                    <a:gs pos="99000">
+                      <a:schemeClr val="tx1"/>
+                    </a:gs>
+                  </a:gsLst>
+                  <a:lin ang="5400000" scaled="0"/>
+                </a:gradFill>
+                <a:latin typeface="+mn-lt"/>
+                <a:ea typeface="+mn-ea"/>
+                <a:cs typeface="+mn-cs"/>
+              </a:defRPr>
+            </a:lvl3pPr>
+            <a:lvl4pPr marL="1028700" marR="0" indent="-228600" algn="l" defTabSz="932742" rtl="0" eaLnBrk="1" fontAlgn="auto" latinLnBrk="0" hangingPunct="1">
+              <a:lnSpc>
+                <a:spcPct val="90000"/>
+              </a:lnSpc>
+              <a:spcBef>
+                <a:spcPct val="20000"/>
+              </a:spcBef>
+              <a:spcAft>
+                <a:spcPts val="0"/>
+              </a:spcAft>
+              <a:buClrTx/>
+              <a:buSzPct val="90000"/>
+              <a:buFont typeface="Arial" pitchFamily="34" charset="0"/>
+              <a:buChar char="•"/>
+              <a:tabLst/>
+              <a:defRPr sz="1800" kern="1200" spc="0" baseline="0">
+                <a:gradFill>
+                  <a:gsLst>
+                    <a:gs pos="1250">
+                      <a:schemeClr val="tx1"/>
+                    </a:gs>
+                    <a:gs pos="99000">
+                      <a:schemeClr val="tx1"/>
+                    </a:gs>
+                  </a:gsLst>
+                  <a:lin ang="5400000" scaled="0"/>
+                </a:gradFill>
+                <a:latin typeface="+mn-lt"/>
+                <a:ea typeface="+mn-ea"/>
+                <a:cs typeface="+mn-cs"/>
+              </a:defRPr>
+            </a:lvl4pPr>
+            <a:lvl5pPr marL="1257300" marR="0" indent="-228600" algn="l" defTabSz="932742" rtl="0" eaLnBrk="1" fontAlgn="auto" latinLnBrk="0" hangingPunct="1">
+              <a:lnSpc>
+                <a:spcPct val="90000"/>
+              </a:lnSpc>
+              <a:spcBef>
+                <a:spcPct val="20000"/>
+              </a:spcBef>
+              <a:spcAft>
+                <a:spcPts val="0"/>
+              </a:spcAft>
+              <a:buClrTx/>
+              <a:buSzPct val="90000"/>
+              <a:buFont typeface="Arial" pitchFamily="34" charset="0"/>
+              <a:buChar char="•"/>
+              <a:tabLst/>
+              <a:defRPr sz="1800" kern="1200" spc="0" baseline="0">
+                <a:gradFill>
+                  <a:gsLst>
+                    <a:gs pos="1250">
+                      <a:schemeClr val="tx1"/>
+                    </a:gs>
+                    <a:gs pos="99000">
+                      <a:schemeClr val="tx1"/>
+                    </a:gs>
+                  </a:gsLst>
+                  <a:lin ang="5400000" scaled="0"/>
+                </a:gradFill>
+                <a:latin typeface="+mn-lt"/>
+                <a:ea typeface="+mn-ea"/>
+                <a:cs typeface="+mn-cs"/>
+              </a:defRPr>
+            </a:lvl5pPr>
+            <a:lvl6pPr marL="2565040" indent="-233186" algn="l" defTabSz="932742" rtl="0" eaLnBrk="1" latinLnBrk="0" hangingPunct="1">
+              <a:spcBef>
+                <a:spcPct val="20000"/>
+              </a:spcBef>
+              <a:buFont typeface="Arial" pitchFamily="34" charset="0"/>
+              <a:buChar char="•"/>
+              <a:defRPr sz="2000" kern="1200">
+                <a:solidFill>
+                  <a:schemeClr val="tx1"/>
+                </a:solidFill>
+                <a:latin typeface="+mn-lt"/>
+                <a:ea typeface="+mn-ea"/>
+                <a:cs typeface="+mn-cs"/>
+              </a:defRPr>
+            </a:lvl6pPr>
+            <a:lvl7pPr marL="3031412" indent="-233186" algn="l" defTabSz="932742" rtl="0" eaLnBrk="1" latinLnBrk="0" hangingPunct="1">
+              <a:spcBef>
+                <a:spcPct val="20000"/>
+              </a:spcBef>
+              <a:buFont typeface="Arial" pitchFamily="34" charset="0"/>
+              <a:buChar char="•"/>
+              <a:defRPr sz="2000" kern="1200">
+                <a:solidFill>
+                  <a:schemeClr val="tx1"/>
+                </a:solidFill>
+                <a:latin typeface="+mn-lt"/>
+                <a:ea typeface="+mn-ea"/>
+                <a:cs typeface="+mn-cs"/>
+              </a:defRPr>
+            </a:lvl7pPr>
+            <a:lvl8pPr marL="3497783" indent="-233186" algn="l" defTabSz="932742" rtl="0" eaLnBrk="1" latinLnBrk="0" hangingPunct="1">
+              <a:spcBef>
+                <a:spcPct val="20000"/>
+              </a:spcBef>
+              <a:buFont typeface="Arial" pitchFamily="34" charset="0"/>
+              <a:buChar char="•"/>
+              <a:defRPr sz="2000" kern="1200">
+                <a:solidFill>
+                  <a:schemeClr val="tx1"/>
+                </a:solidFill>
+                <a:latin typeface="+mn-lt"/>
+                <a:ea typeface="+mn-ea"/>
+                <a:cs typeface="+mn-cs"/>
+              </a:defRPr>
+            </a:lvl8pPr>
+            <a:lvl9pPr marL="3964155" indent="-233186" algn="l" defTabSz="932742" rtl="0" eaLnBrk="1" latinLnBrk="0" hangingPunct="1">
+              <a:spcBef>
+                <a:spcPct val="20000"/>
+              </a:spcBef>
+              <a:buFont typeface="Arial" pitchFamily="34" charset="0"/>
+              <a:buChar char="•"/>
+              <a:defRPr sz="2000" kern="1200">
+                <a:solidFill>
+                  <a:schemeClr val="tx1"/>
+                </a:solidFill>
+                <a:latin typeface="+mn-lt"/>
+                <a:ea typeface="+mn-ea"/>
+                <a:cs typeface="+mn-cs"/>
+              </a:defRPr>
+            </a:lvl9pPr>
+          </a:lstStyle>
+          <a:p>
+            <a:pPr marL="0" indent="0">
+              <a:buNone/>
+            </a:pPr>
+            <a:r>
               <a:rPr lang="en-US" dirty="0"/>
               <a:t>Enables executing several pieces of code simultaneously</a:t>
             </a:r>
@@ -7348,7 +8971,7 @@
 </p:sld>
 </file>
 
-<file path=ppt/slides/slide4.xml><?xml version="1.0" encoding="utf-8"?>
+<file path=ppt/slides/slide5.xml><?xml version="1.0" encoding="utf-8"?>
 <p:sld xmlns:a="http://schemas.openxmlformats.org/drawingml/2006/main" xmlns:r="http://schemas.openxmlformats.org/officeDocument/2006/relationships" xmlns:p="http://schemas.openxmlformats.org/presentationml/2006/main">
   <p:cSld>
     <p:spTree>
@@ -7449,7 +9072,7 @@
 </p:sld>
 </file>
 
-<file path=ppt/slides/slide5.xml><?xml version="1.0" encoding="utf-8"?>
+<file path=ppt/slides/slide6.xml><?xml version="1.0" encoding="utf-8"?>
 <p:sld xmlns:a="http://schemas.openxmlformats.org/drawingml/2006/main" xmlns:r="http://schemas.openxmlformats.org/officeDocument/2006/relationships" xmlns:p="http://schemas.openxmlformats.org/presentationml/2006/main">
   <p:cSld>
     <p:spTree>
@@ -8538,7 +10161,7 @@
 </p:sld>
 </file>
 
-<file path=ppt/slides/slide6.xml><?xml version="1.0" encoding="utf-8"?>
+<file path=ppt/slides/slide7.xml><?xml version="1.0" encoding="utf-8"?>
 <p:sld xmlns:a="http://schemas.openxmlformats.org/drawingml/2006/main" xmlns:r="http://schemas.openxmlformats.org/officeDocument/2006/relationships" xmlns:p="http://schemas.openxmlformats.org/presentationml/2006/main">
   <p:cSld>
     <p:spTree>
@@ -8684,7 +10307,7 @@
 </p:sld>
 </file>
 
-<file path=ppt/slides/slide7.xml><?xml version="1.0" encoding="utf-8"?>
+<file path=ppt/slides/slide8.xml><?xml version="1.0" encoding="utf-8"?>
 <p:sld xmlns:a="http://schemas.openxmlformats.org/drawingml/2006/main" xmlns:r="http://schemas.openxmlformats.org/officeDocument/2006/relationships" xmlns:p="http://schemas.openxmlformats.org/presentationml/2006/main">
   <p:cSld>
     <p:spTree>
@@ -8740,7 +10363,7 @@
 </p:sld>
 </file>
 
-<file path=ppt/slides/slide8.xml><?xml version="1.0" encoding="utf-8"?>
+<file path=ppt/slides/slide9.xml><?xml version="1.0" encoding="utf-8"?>
 <p:sld xmlns:a="http://schemas.openxmlformats.org/drawingml/2006/main" xmlns:r="http://schemas.openxmlformats.org/officeDocument/2006/relationships" xmlns:p="http://schemas.openxmlformats.org/presentationml/2006/main">
   <p:cSld>
     <p:spTree>
@@ -8862,413 +10485,6 @@
   <p:clrMapOvr>
     <a:masterClrMapping/>
   </p:clrMapOvr>
-</p:sld>
-</file>
-
-<file path=ppt/slides/slide9.xml><?xml version="1.0" encoding="utf-8"?>
-<p:sld xmlns:a="http://schemas.openxmlformats.org/drawingml/2006/main" xmlns:r="http://schemas.openxmlformats.org/officeDocument/2006/relationships" xmlns:p="http://schemas.openxmlformats.org/presentationml/2006/main">
-  <p:cSld>
-    <p:spTree>
-      <p:nvGrpSpPr>
-        <p:cNvPr id="1" name=""/>
-        <p:cNvGrpSpPr/>
-        <p:nvPr/>
-      </p:nvGrpSpPr>
-      <p:grpSpPr>
-        <a:xfrm>
-          <a:off x="0" y="0"/>
-          <a:ext cx="0" cy="0"/>
-          <a:chOff x="0" y="0"/>
-          <a:chExt cx="0" cy="0"/>
-        </a:xfrm>
-      </p:grpSpPr>
-      <p:sp>
-        <p:nvSpPr>
-          <p:cNvPr id="2" name="Title 1"/>
-          <p:cNvSpPr>
-            <a:spLocks noGrp="1"/>
-          </p:cNvSpPr>
-          <p:nvPr>
-            <p:ph type="title" idx="4294967295"/>
-          </p:nvPr>
-        </p:nvSpPr>
-        <p:spPr>
-          <a:xfrm>
-            <a:off x="273844" y="295275"/>
-            <a:ext cx="8778875" cy="917575"/>
-          </a:xfrm>
-        </p:spPr>
-        <p:txBody>
-          <a:bodyPr/>
-          <a:lstStyle/>
-          <a:p>
-            <a:r>
-              <a:rPr lang="en-US" dirty="0"/>
-              <a:t>Race Condition</a:t>
-            </a:r>
-          </a:p>
-        </p:txBody>
-      </p:sp>
-      <p:sp>
-        <p:nvSpPr>
-          <p:cNvPr id="3" name="AutoShape 2" descr="https://encrypted-tbn1.gstatic.com/images?q=tbn:ANd9GcRyLPmH4CXTD4PFXitpoImqWfZ04zdtZTxKFx7wrSHzvxs4JwLp"/>
-          <p:cNvSpPr>
-            <a:spLocks noChangeAspect="1" noChangeArrowheads="1"/>
-          </p:cNvSpPr>
-          <p:nvPr/>
-        </p:nvSpPr>
-        <p:spPr bwMode="auto">
-          <a:xfrm>
-            <a:off x="158936" y="-147339"/>
-            <a:ext cx="310868" cy="310869"/>
-          </a:xfrm>
-          <a:prstGeom prst="rect">
-            <a:avLst/>
-          </a:prstGeom>
-          <a:noFill/>
-          <a:extLst>
-            <a:ext uri="{909E8E84-426E-40DD-AFC4-6F175D3DCCD1}">
-              <a14:hiddenFill xmlns:a14="http://schemas.microsoft.com/office/drawing/2010/main">
-                <a:solidFill>
-                  <a:srgbClr val="FFFFFF"/>
-                </a:solidFill>
-              </a14:hiddenFill>
-            </a:ext>
-          </a:extLst>
-        </p:spPr>
-        <p:txBody>
-          <a:bodyPr vert="horz" wrap="square" lIns="93260" tIns="46630" rIns="93260" bIns="46630" numCol="1" anchor="t" anchorCtr="0" compatLnSpc="1">
-            <a:prstTxWarp prst="textNoShape">
-              <a:avLst/>
-            </a:prstTxWarp>
-          </a:bodyPr>
-          <a:lstStyle/>
-          <a:p>
-            <a:endParaRPr lang="en-US" sz="1836" dirty="0"/>
-          </a:p>
-        </p:txBody>
-      </p:sp>
-      <p:sp>
-        <p:nvSpPr>
-          <p:cNvPr id="6" name="Pladsholder til indhold 2"/>
-          <p:cNvSpPr txBox="1">
-            <a:spLocks/>
-          </p:cNvSpPr>
-          <p:nvPr/>
-        </p:nvSpPr>
-        <p:spPr>
-          <a:xfrm>
-            <a:off x="273844" y="1212850"/>
-            <a:ext cx="8778875" cy="4021753"/>
-          </a:xfrm>
-          <a:prstGeom prst="rect">
-            <a:avLst/>
-          </a:prstGeom>
-        </p:spPr>
-        <p:txBody>
-          <a:bodyPr vert="horz" wrap="square" lIns="146304" tIns="91440" rIns="146304" bIns="91440" rtlCol="0">
-            <a:normAutofit/>
-          </a:bodyPr>
-          <a:lstStyle>
-            <a:lvl1pPr marL="342900" marR="0" indent="-342900" algn="l" defTabSz="932742" rtl="0" eaLnBrk="1" fontAlgn="auto" latinLnBrk="0" hangingPunct="1">
-              <a:lnSpc>
-                <a:spcPct val="90000"/>
-              </a:lnSpc>
-              <a:spcBef>
-                <a:spcPct val="20000"/>
-              </a:spcBef>
-              <a:spcAft>
-                <a:spcPts val="0"/>
-              </a:spcAft>
-              <a:buClrTx/>
-              <a:buSzPct val="90000"/>
-              <a:buFont typeface="Arial" pitchFamily="34" charset="0"/>
-              <a:buChar char="•"/>
-              <a:tabLst/>
-              <a:defRPr sz="3600" kern="1200" spc="0" baseline="0">
-                <a:gradFill>
-                  <a:gsLst>
-                    <a:gs pos="1250">
-                      <a:schemeClr val="tx1"/>
-                    </a:gs>
-                    <a:gs pos="99000">
-                      <a:schemeClr val="tx1"/>
-                    </a:gs>
-                  </a:gsLst>
-                  <a:lin ang="5400000" scaled="0"/>
-                </a:gradFill>
-                <a:latin typeface="+mj-lt"/>
-                <a:ea typeface="+mn-ea"/>
-                <a:cs typeface="+mn-cs"/>
-              </a:defRPr>
-            </a:lvl1pPr>
-            <a:lvl2pPr marL="584200" marR="0" indent="-241300" algn="l" defTabSz="932742" rtl="0" eaLnBrk="1" fontAlgn="auto" latinLnBrk="0" hangingPunct="1">
-              <a:lnSpc>
-                <a:spcPct val="90000"/>
-              </a:lnSpc>
-              <a:spcBef>
-                <a:spcPct val="20000"/>
-              </a:spcBef>
-              <a:spcAft>
-                <a:spcPts val="0"/>
-              </a:spcAft>
-              <a:buClrTx/>
-              <a:buSzPct val="90000"/>
-              <a:buFont typeface="Arial" pitchFamily="34" charset="0"/>
-              <a:buChar char="•"/>
-              <a:tabLst/>
-              <a:defRPr sz="2400" kern="1200" spc="0" baseline="0">
-                <a:gradFill>
-                  <a:gsLst>
-                    <a:gs pos="1250">
-                      <a:schemeClr val="tx1"/>
-                    </a:gs>
-                    <a:gs pos="99000">
-                      <a:schemeClr val="tx1"/>
-                    </a:gs>
-                  </a:gsLst>
-                  <a:lin ang="5400000" scaled="0"/>
-                </a:gradFill>
-                <a:latin typeface="+mn-lt"/>
-                <a:ea typeface="+mn-ea"/>
-                <a:cs typeface="+mn-cs"/>
-              </a:defRPr>
-            </a:lvl2pPr>
-            <a:lvl3pPr marL="800100" marR="0" indent="-228600" algn="l" defTabSz="932742" rtl="0" eaLnBrk="1" fontAlgn="auto" latinLnBrk="0" hangingPunct="1">
-              <a:lnSpc>
-                <a:spcPct val="90000"/>
-              </a:lnSpc>
-              <a:spcBef>
-                <a:spcPct val="20000"/>
-              </a:spcBef>
-              <a:spcAft>
-                <a:spcPts val="0"/>
-              </a:spcAft>
-              <a:buClrTx/>
-              <a:buSzPct val="90000"/>
-              <a:buFont typeface="Arial" pitchFamily="34" charset="0"/>
-              <a:buChar char="•"/>
-              <a:tabLst/>
-              <a:defRPr sz="2000" kern="1200" spc="0" baseline="0">
-                <a:gradFill>
-                  <a:gsLst>
-                    <a:gs pos="1250">
-                      <a:schemeClr val="tx1"/>
-                    </a:gs>
-                    <a:gs pos="99000">
-                      <a:schemeClr val="tx1"/>
-                    </a:gs>
-                  </a:gsLst>
-                  <a:lin ang="5400000" scaled="0"/>
-                </a:gradFill>
-                <a:latin typeface="+mn-lt"/>
-                <a:ea typeface="+mn-ea"/>
-                <a:cs typeface="+mn-cs"/>
-              </a:defRPr>
-            </a:lvl3pPr>
-            <a:lvl4pPr marL="1028700" marR="0" indent="-228600" algn="l" defTabSz="932742" rtl="0" eaLnBrk="1" fontAlgn="auto" latinLnBrk="0" hangingPunct="1">
-              <a:lnSpc>
-                <a:spcPct val="90000"/>
-              </a:lnSpc>
-              <a:spcBef>
-                <a:spcPct val="20000"/>
-              </a:spcBef>
-              <a:spcAft>
-                <a:spcPts val="0"/>
-              </a:spcAft>
-              <a:buClrTx/>
-              <a:buSzPct val="90000"/>
-              <a:buFont typeface="Arial" pitchFamily="34" charset="0"/>
-              <a:buChar char="•"/>
-              <a:tabLst/>
-              <a:defRPr sz="1800" kern="1200" spc="0" baseline="0">
-                <a:gradFill>
-                  <a:gsLst>
-                    <a:gs pos="1250">
-                      <a:schemeClr val="tx1"/>
-                    </a:gs>
-                    <a:gs pos="99000">
-                      <a:schemeClr val="tx1"/>
-                    </a:gs>
-                  </a:gsLst>
-                  <a:lin ang="5400000" scaled="0"/>
-                </a:gradFill>
-                <a:latin typeface="+mn-lt"/>
-                <a:ea typeface="+mn-ea"/>
-                <a:cs typeface="+mn-cs"/>
-              </a:defRPr>
-            </a:lvl4pPr>
-            <a:lvl5pPr marL="1257300" marR="0" indent="-228600" algn="l" defTabSz="932742" rtl="0" eaLnBrk="1" fontAlgn="auto" latinLnBrk="0" hangingPunct="1">
-              <a:lnSpc>
-                <a:spcPct val="90000"/>
-              </a:lnSpc>
-              <a:spcBef>
-                <a:spcPct val="20000"/>
-              </a:spcBef>
-              <a:spcAft>
-                <a:spcPts val="0"/>
-              </a:spcAft>
-              <a:buClrTx/>
-              <a:buSzPct val="90000"/>
-              <a:buFont typeface="Arial" pitchFamily="34" charset="0"/>
-              <a:buChar char="•"/>
-              <a:tabLst/>
-              <a:defRPr sz="1800" kern="1200" spc="0" baseline="0">
-                <a:gradFill>
-                  <a:gsLst>
-                    <a:gs pos="1250">
-                      <a:schemeClr val="tx1"/>
-                    </a:gs>
-                    <a:gs pos="99000">
-                      <a:schemeClr val="tx1"/>
-                    </a:gs>
-                  </a:gsLst>
-                  <a:lin ang="5400000" scaled="0"/>
-                </a:gradFill>
-                <a:latin typeface="+mn-lt"/>
-                <a:ea typeface="+mn-ea"/>
-                <a:cs typeface="+mn-cs"/>
-              </a:defRPr>
-            </a:lvl5pPr>
-            <a:lvl6pPr marL="2565040" indent="-233186" algn="l" defTabSz="932742" rtl="0" eaLnBrk="1" latinLnBrk="0" hangingPunct="1">
-              <a:spcBef>
-                <a:spcPct val="20000"/>
-              </a:spcBef>
-              <a:buFont typeface="Arial" pitchFamily="34" charset="0"/>
-              <a:buChar char="•"/>
-              <a:defRPr sz="2000" kern="1200">
-                <a:solidFill>
-                  <a:schemeClr val="tx1"/>
-                </a:solidFill>
-                <a:latin typeface="+mn-lt"/>
-                <a:ea typeface="+mn-ea"/>
-                <a:cs typeface="+mn-cs"/>
-              </a:defRPr>
-            </a:lvl6pPr>
-            <a:lvl7pPr marL="3031412" indent="-233186" algn="l" defTabSz="932742" rtl="0" eaLnBrk="1" latinLnBrk="0" hangingPunct="1">
-              <a:spcBef>
-                <a:spcPct val="20000"/>
-              </a:spcBef>
-              <a:buFont typeface="Arial" pitchFamily="34" charset="0"/>
-              <a:buChar char="•"/>
-              <a:defRPr sz="2000" kern="1200">
-                <a:solidFill>
-                  <a:schemeClr val="tx1"/>
-                </a:solidFill>
-                <a:latin typeface="+mn-lt"/>
-                <a:ea typeface="+mn-ea"/>
-                <a:cs typeface="+mn-cs"/>
-              </a:defRPr>
-            </a:lvl7pPr>
-            <a:lvl8pPr marL="3497783" indent="-233186" algn="l" defTabSz="932742" rtl="0" eaLnBrk="1" latinLnBrk="0" hangingPunct="1">
-              <a:spcBef>
-                <a:spcPct val="20000"/>
-              </a:spcBef>
-              <a:buFont typeface="Arial" pitchFamily="34" charset="0"/>
-              <a:buChar char="•"/>
-              <a:defRPr sz="2000" kern="1200">
-                <a:solidFill>
-                  <a:schemeClr val="tx1"/>
-                </a:solidFill>
-                <a:latin typeface="+mn-lt"/>
-                <a:ea typeface="+mn-ea"/>
-                <a:cs typeface="+mn-cs"/>
-              </a:defRPr>
-            </a:lvl8pPr>
-            <a:lvl9pPr marL="3964155" indent="-233186" algn="l" defTabSz="932742" rtl="0" eaLnBrk="1" latinLnBrk="0" hangingPunct="1">
-              <a:spcBef>
-                <a:spcPct val="20000"/>
-              </a:spcBef>
-              <a:buFont typeface="Arial" pitchFamily="34" charset="0"/>
-              <a:buChar char="•"/>
-              <a:defRPr sz="2000" kern="1200">
-                <a:solidFill>
-                  <a:schemeClr val="tx1"/>
-                </a:solidFill>
-                <a:latin typeface="+mn-lt"/>
-                <a:ea typeface="+mn-ea"/>
-                <a:cs typeface="+mn-cs"/>
-              </a:defRPr>
-            </a:lvl9pPr>
-          </a:lstStyle>
-          <a:p>
-            <a:pPr marL="0" indent="0">
-              <a:buNone/>
-            </a:pPr>
-            <a:r>
-              <a:rPr lang="en-US" dirty="0"/>
-              <a:t>Behavior of a program where the output is </a:t>
-            </a:r>
-            <a:r>
-              <a:rPr lang="en-US" b="1" dirty="0"/>
-              <a:t>dependent</a:t>
-            </a:r>
-            <a:r>
-              <a:rPr lang="en-US" dirty="0"/>
-              <a:t> on the </a:t>
-            </a:r>
-            <a:r>
-              <a:rPr lang="en-US" b="1" dirty="0"/>
-              <a:t>sequence</a:t>
-            </a:r>
-            <a:r>
-              <a:rPr lang="en-US" dirty="0"/>
-              <a:t> or </a:t>
-            </a:r>
-            <a:r>
-              <a:rPr lang="en-US" b="1" dirty="0"/>
-              <a:t>timing</a:t>
-            </a:r>
-            <a:r>
-              <a:rPr lang="en-US" dirty="0"/>
-              <a:t> of other </a:t>
-            </a:r>
-            <a:r>
-              <a:rPr lang="en-US" b="1" dirty="0"/>
-              <a:t>uncontrollable</a:t>
-            </a:r>
-            <a:r>
-              <a:rPr lang="en-US" dirty="0"/>
-              <a:t> events. </a:t>
-            </a:r>
-          </a:p>
-          <a:p>
-            <a:pPr marL="0" indent="0">
-              <a:buNone/>
-            </a:pPr>
-            <a:endParaRPr lang="en-US" dirty="0"/>
-          </a:p>
-          <a:p>
-            <a:pPr marL="0" indent="0">
-              <a:buNone/>
-            </a:pPr>
-            <a:r>
-              <a:rPr lang="en-US" dirty="0">
-                <a:sym typeface="Wingdings" panose="05000000000000000000" pitchFamily="2" charset="2"/>
-              </a:rPr>
-              <a:t> Bug, when events do not happen in the order the</a:t>
-            </a:r>
-            <a:r>
-              <a:rPr lang="en-US" dirty="0"/>
-              <a:t> programmer intended.</a:t>
-            </a:r>
-            <a:endParaRPr lang="da-DK" dirty="0"/>
-          </a:p>
-        </p:txBody>
-      </p:sp>
-    </p:spTree>
-    <p:extLst>
-      <p:ext uri="{BB962C8B-B14F-4D97-AF65-F5344CB8AC3E}">
-        <p14:creationId xmlns:p14="http://schemas.microsoft.com/office/powerpoint/2010/main" val="4289627610"/>
-      </p:ext>
-    </p:extLst>
-  </p:cSld>
-  <p:clrMapOvr>
-    <a:masterClrMapping/>
-  </p:clrMapOvr>
-  <p:transition>
-    <p:fade/>
-  </p:transition>
 </p:sld>
 </file>
 
@@ -10133,58 +11349,12 @@
 </file>
 
 <file path=customXml/item1.xml><?xml version="1.0" encoding="utf-8"?>
-<p:properties xmlns:p="http://schemas.microsoft.com/office/2006/metadata/properties" xmlns:xsi="http://www.w3.org/2001/XMLSchema-instance" xmlns:pc="http://schemas.microsoft.com/office/infopath/2007/PartnerControls">
-  <documentManagement>
-    <TrackTaxHTField0 xmlns="2295e2e7-0eeb-498e-8716-217bb2ee6ee3">
-      <Terms xmlns="http://schemas.microsoft.com/office/infopath/2007/PartnerControls"/>
-    </TrackTaxHTField0>
-    <CampaignTaxHTField0 xmlns="2295e2e7-0eeb-498e-8716-217bb2ee6ee3">
-      <Terms xmlns="http://schemas.microsoft.com/office/infopath/2007/PartnerControls"/>
-    </CampaignTaxHTField0>
-    <Event_x0020_End_x0020_Date xmlns="2295e2e7-0eeb-498e-8716-217bb2ee6ee3" xsi:nil="true"/>
-    <Event_x0020_Start_x0020_Date xmlns="2295e2e7-0eeb-498e-8716-217bb2ee6ee3" xsi:nil="true"/>
-    <MS_x0020_Speaker xmlns="2295e2e7-0eeb-498e-8716-217bb2ee6ee3">
-      <UserInfo>
-        <DisplayName/>
-        <AccountId xsi:nil="true"/>
-        <AccountType/>
-      </UserInfo>
-    </MS_x0020_Speaker>
-    <External_x0020_Speaker xmlns="2295e2e7-0eeb-498e-8716-217bb2ee6ee3" xsi:nil="true"/>
-    <Session_x0020_Code xmlns="2295e2e7-0eeb-498e-8716-217bb2ee6ee3" xsi:nil="true"/>
-    <ProductTaxHTField0 xmlns="2295e2e7-0eeb-498e-8716-217bb2ee6ee3">
-      <Terms xmlns="http://schemas.microsoft.com/office/infopath/2007/PartnerControls"/>
-    </ProductTaxHTField0>
-    <Presentation_x0020_Date xmlns="2295e2e7-0eeb-498e-8716-217bb2ee6ee3" xsi:nil="true"/>
-    <Event_x0020_LocationTaxHTField0 xmlns="2295e2e7-0eeb-498e-8716-217bb2ee6ee3">
-      <Terms xmlns="http://schemas.microsoft.com/office/infopath/2007/PartnerControls"/>
-    </Event_x0020_LocationTaxHTField0>
-    <Event1TaxHTField0 xmlns="2295e2e7-0eeb-498e-8716-217bb2ee6ee3">
-      <Terms xmlns="http://schemas.microsoft.com/office/infopath/2007/PartnerControls">
-        <TermInfo xmlns="http://schemas.microsoft.com/office/infopath/2007/PartnerControls">
-          <TermName xmlns="http://schemas.microsoft.com/office/infopath/2007/PartnerControls">Unassigned</TermName>
-          <TermId xmlns="http://schemas.microsoft.com/office/infopath/2007/PartnerControls">e51362f4-782c-41a8-bb7b-e0cfc8669933</TermId>
-        </TermInfo>
-      </Terms>
-    </Event1TaxHTField0>
-    <AudienceTaxHTField0 xmlns="8b529f77-48ab-4581-b468-93f09345b8aa">
-      <Terms xmlns="http://schemas.microsoft.com/office/infopath/2007/PartnerControls"/>
-    </AudienceTaxHTField0>
-    <MS_x0020_Content_x0020_Owner xmlns="2295e2e7-0eeb-498e-8716-217bb2ee6ee3">
-      <UserInfo>
-        <DisplayName/>
-        <AccountId xsi:nil="true"/>
-        <AccountType/>
-      </UserInfo>
-    </MS_x0020_Content_x0020_Owner>
-    <TaxCatchAll xmlns="2295e2e7-0eeb-498e-8716-217bb2ee6ee3">
-      <Value>217</Value>
-    </TaxCatchAll>
-    <Event_x0020_VenueTaxHTField0 xmlns="2295e2e7-0eeb-498e-8716-217bb2ee6ee3">
-      <Terms xmlns="http://schemas.microsoft.com/office/infopath/2007/PartnerControls"/>
-    </Event_x0020_VenueTaxHTField0>
-  </documentManagement>
-</p:properties>
+<?mso-contentType ?>
+<FormTemplates xmlns="http://schemas.microsoft.com/sharepoint/v3/contenttype/forms">
+  <Display>DocumentLibraryForm</Display>
+  <Edit>DocumentLibraryForm</Edit>
+  <New>DocumentLibraryForm</New>
+</FormTemplates>
 </file>
 
 <file path=customXml/item2.xml><?xml version="1.0" encoding="utf-8"?>
@@ -10467,27 +11637,64 @@
 </file>
 
 <file path=customXml/item3.xml><?xml version="1.0" encoding="utf-8"?>
-<?mso-contentType ?>
-<FormTemplates xmlns="http://schemas.microsoft.com/sharepoint/v3/contenttype/forms">
-  <Display>DocumentLibraryForm</Display>
-  <Edit>DocumentLibraryForm</Edit>
-  <New>DocumentLibraryForm</New>
-</FormTemplates>
+<p:properties xmlns:p="http://schemas.microsoft.com/office/2006/metadata/properties" xmlns:xsi="http://www.w3.org/2001/XMLSchema-instance" xmlns:pc="http://schemas.microsoft.com/office/infopath/2007/PartnerControls">
+  <documentManagement>
+    <TrackTaxHTField0 xmlns="2295e2e7-0eeb-498e-8716-217bb2ee6ee3">
+      <Terms xmlns="http://schemas.microsoft.com/office/infopath/2007/PartnerControls"/>
+    </TrackTaxHTField0>
+    <CampaignTaxHTField0 xmlns="2295e2e7-0eeb-498e-8716-217bb2ee6ee3">
+      <Terms xmlns="http://schemas.microsoft.com/office/infopath/2007/PartnerControls"/>
+    </CampaignTaxHTField0>
+    <Event_x0020_End_x0020_Date xmlns="2295e2e7-0eeb-498e-8716-217bb2ee6ee3" xsi:nil="true"/>
+    <Event_x0020_Start_x0020_Date xmlns="2295e2e7-0eeb-498e-8716-217bb2ee6ee3" xsi:nil="true"/>
+    <MS_x0020_Speaker xmlns="2295e2e7-0eeb-498e-8716-217bb2ee6ee3">
+      <UserInfo>
+        <DisplayName/>
+        <AccountId xsi:nil="true"/>
+        <AccountType/>
+      </UserInfo>
+    </MS_x0020_Speaker>
+    <External_x0020_Speaker xmlns="2295e2e7-0eeb-498e-8716-217bb2ee6ee3" xsi:nil="true"/>
+    <Session_x0020_Code xmlns="2295e2e7-0eeb-498e-8716-217bb2ee6ee3" xsi:nil="true"/>
+    <ProductTaxHTField0 xmlns="2295e2e7-0eeb-498e-8716-217bb2ee6ee3">
+      <Terms xmlns="http://schemas.microsoft.com/office/infopath/2007/PartnerControls"/>
+    </ProductTaxHTField0>
+    <Presentation_x0020_Date xmlns="2295e2e7-0eeb-498e-8716-217bb2ee6ee3" xsi:nil="true"/>
+    <Event_x0020_LocationTaxHTField0 xmlns="2295e2e7-0eeb-498e-8716-217bb2ee6ee3">
+      <Terms xmlns="http://schemas.microsoft.com/office/infopath/2007/PartnerControls"/>
+    </Event_x0020_LocationTaxHTField0>
+    <Event1TaxHTField0 xmlns="2295e2e7-0eeb-498e-8716-217bb2ee6ee3">
+      <Terms xmlns="http://schemas.microsoft.com/office/infopath/2007/PartnerControls">
+        <TermInfo xmlns="http://schemas.microsoft.com/office/infopath/2007/PartnerControls">
+          <TermName xmlns="http://schemas.microsoft.com/office/infopath/2007/PartnerControls">Unassigned</TermName>
+          <TermId xmlns="http://schemas.microsoft.com/office/infopath/2007/PartnerControls">e51362f4-782c-41a8-bb7b-e0cfc8669933</TermId>
+        </TermInfo>
+      </Terms>
+    </Event1TaxHTField0>
+    <AudienceTaxHTField0 xmlns="8b529f77-48ab-4581-b468-93f09345b8aa">
+      <Terms xmlns="http://schemas.microsoft.com/office/infopath/2007/PartnerControls"/>
+    </AudienceTaxHTField0>
+    <MS_x0020_Content_x0020_Owner xmlns="2295e2e7-0eeb-498e-8716-217bb2ee6ee3">
+      <UserInfo>
+        <DisplayName/>
+        <AccountId xsi:nil="true"/>
+        <AccountType/>
+      </UserInfo>
+    </MS_x0020_Content_x0020_Owner>
+    <TaxCatchAll xmlns="2295e2e7-0eeb-498e-8716-217bb2ee6ee3">
+      <Value>217</Value>
+    </TaxCatchAll>
+    <Event_x0020_VenueTaxHTField0 xmlns="2295e2e7-0eeb-498e-8716-217bb2ee6ee3">
+      <Terms xmlns="http://schemas.microsoft.com/office/infopath/2007/PartnerControls"/>
+    </Event_x0020_VenueTaxHTField0>
+  </documentManagement>
+</p:properties>
 </file>
 
 <file path=customXml/itemProps1.xml><?xml version="1.0" encoding="utf-8"?>
-<ds:datastoreItem xmlns:ds="http://schemas.openxmlformats.org/officeDocument/2006/customXml" ds:itemID="{F990F116-B58F-4255-B05B-DA3808E0E5C6}">
+<ds:datastoreItem xmlns:ds="http://schemas.openxmlformats.org/officeDocument/2006/customXml" ds:itemID="{758FDAC0-319D-4A54-8D8E-1D42CB1F8004}">
   <ds:schemaRefs>
-    <ds:schemaRef ds:uri="http://purl.org/dc/terms/"/>
-    <ds:schemaRef ds:uri="http://schemas.microsoft.com/office/2006/metadata/properties"/>
-    <ds:schemaRef ds:uri="http://www.w3.org/XML/1998/namespace"/>
-    <ds:schemaRef ds:uri="http://schemas.microsoft.com/office/2006/documentManagement/types"/>
-    <ds:schemaRef ds:uri="8b529f77-48ab-4581-b468-93f09345b8aa"/>
-    <ds:schemaRef ds:uri="http://schemas.microsoft.com/office/infopath/2007/PartnerControls"/>
-    <ds:schemaRef ds:uri="http://purl.org/dc/dcmitype/"/>
-    <ds:schemaRef ds:uri="http://schemas.openxmlformats.org/package/2006/metadata/core-properties"/>
-    <ds:schemaRef ds:uri="2295e2e7-0eeb-498e-8716-217bb2ee6ee3"/>
-    <ds:schemaRef ds:uri="http://purl.org/dc/elements/1.1/"/>
+    <ds:schemaRef ds:uri="http://schemas.microsoft.com/sharepoint/v3/contenttype/forms"/>
   </ds:schemaRefs>
 </ds:datastoreItem>
 </file>
@@ -10512,9 +11719,18 @@
 </file>
 
 <file path=customXml/itemProps3.xml><?xml version="1.0" encoding="utf-8"?>
-<ds:datastoreItem xmlns:ds="http://schemas.openxmlformats.org/officeDocument/2006/customXml" ds:itemID="{758FDAC0-319D-4A54-8D8E-1D42CB1F8004}">
+<ds:datastoreItem xmlns:ds="http://schemas.openxmlformats.org/officeDocument/2006/customXml" ds:itemID="{F990F116-B58F-4255-B05B-DA3808E0E5C6}">
   <ds:schemaRefs>
-    <ds:schemaRef ds:uri="http://schemas.microsoft.com/sharepoint/v3/contenttype/forms"/>
+    <ds:schemaRef ds:uri="http://purl.org/dc/terms/"/>
+    <ds:schemaRef ds:uri="http://schemas.microsoft.com/office/2006/metadata/properties"/>
+    <ds:schemaRef ds:uri="http://www.w3.org/XML/1998/namespace"/>
+    <ds:schemaRef ds:uri="http://schemas.microsoft.com/office/2006/documentManagement/types"/>
+    <ds:schemaRef ds:uri="8b529f77-48ab-4581-b468-93f09345b8aa"/>
+    <ds:schemaRef ds:uri="http://schemas.microsoft.com/office/infopath/2007/PartnerControls"/>
+    <ds:schemaRef ds:uri="http://purl.org/dc/dcmitype/"/>
+    <ds:schemaRef ds:uri="http://schemas.openxmlformats.org/package/2006/metadata/core-properties"/>
+    <ds:schemaRef ds:uri="2295e2e7-0eeb-498e-8716-217bb2ee6ee3"/>
+    <ds:schemaRef ds:uri="http://purl.org/dc/elements/1.1/"/>
   </ds:schemaRefs>
 </ds:datastoreItem>
 </file>